--- a/data/pptx/003_6_Max_Weber.pptx
+++ b/data/pptx/003_6_Max_Weber.pptx
@@ -5,26 +5,27 @@
     <p:sldMasterId id="2147483672" r:id="rId1"/>
   </p:sldMasterIdLst>
   <p:notesMasterIdLst>
-    <p:notesMasterId r:id="rId16"/>
+    <p:notesMasterId r:id="rId17"/>
   </p:notesMasterIdLst>
   <p:handoutMasterIdLst>
-    <p:handoutMasterId r:id="rId17"/>
+    <p:handoutMasterId r:id="rId18"/>
   </p:handoutMasterIdLst>
   <p:sldIdLst>
-    <p:sldId id="328" r:id="rId2"/>
-    <p:sldId id="329" r:id="rId3"/>
-    <p:sldId id="330" r:id="rId4"/>
-    <p:sldId id="331" r:id="rId5"/>
-    <p:sldId id="332" r:id="rId6"/>
-    <p:sldId id="333" r:id="rId7"/>
-    <p:sldId id="334" r:id="rId8"/>
-    <p:sldId id="335" r:id="rId9"/>
-    <p:sldId id="336" r:id="rId10"/>
-    <p:sldId id="337" r:id="rId11"/>
-    <p:sldId id="338" r:id="rId12"/>
-    <p:sldId id="339" r:id="rId13"/>
-    <p:sldId id="340" r:id="rId14"/>
-    <p:sldId id="341" r:id="rId15"/>
+    <p:sldId id="342" r:id="rId2"/>
+    <p:sldId id="343" r:id="rId3"/>
+    <p:sldId id="344" r:id="rId4"/>
+    <p:sldId id="345" r:id="rId5"/>
+    <p:sldId id="359" r:id="rId6"/>
+    <p:sldId id="360" r:id="rId7"/>
+    <p:sldId id="348" r:id="rId8"/>
+    <p:sldId id="356" r:id="rId9"/>
+    <p:sldId id="350" r:id="rId10"/>
+    <p:sldId id="357" r:id="rId11"/>
+    <p:sldId id="358" r:id="rId12"/>
+    <p:sldId id="352" r:id="rId13"/>
+    <p:sldId id="353" r:id="rId14"/>
+    <p:sldId id="354" r:id="rId15"/>
+    <p:sldId id="355" r:id="rId16"/>
   </p:sldIdLst>
   <p:sldSz cx="9144000" cy="6858000" type="screen4x3"/>
   <p:notesSz cx="6858000" cy="9144000"/>
@@ -339,7 +340,7 @@
               <a:pPr>
                 <a:defRPr/>
               </a:pPr>
-              <a:t>30.10.2017.</a:t>
+              <a:t>8.11.2017.</a:t>
             </a:fld>
             <a:endParaRPr lang="hr-HR"/>
           </a:p>
@@ -797,7 +798,7 @@
         <p:spPr/>
         <p:txBody>
           <a:bodyPr>
-            <a:normAutofit fontScale="92500" lnSpcReduction="20000"/>
+            <a:normAutofit fontScale="77500" lnSpcReduction="20000"/>
           </a:bodyPr>
           <a:lstStyle/>
           <a:p>
@@ -907,7 +908,7 @@
               <a:pPr>
                 <a:defRPr/>
               </a:pPr>
-              <a:t>10</a:t>
+              <a:t>11</a:t>
             </a:fld>
             <a:endParaRPr lang="hr-HR"/>
           </a:p>
@@ -1860,7 +1861,7 @@
               <a:pPr>
                 <a:defRPr/>
               </a:pPr>
-              <a:t>30.10.2017.</a:t>
+              <a:t>8.11.2017.</a:t>
             </a:fld>
             <a:endParaRPr lang="hr-HR"/>
           </a:p>
@@ -2066,7 +2067,7 @@
               <a:pPr>
                 <a:defRPr/>
               </a:pPr>
-              <a:t>30.10.2017.</a:t>
+              <a:t>8.11.2017.</a:t>
             </a:fld>
             <a:endParaRPr lang="hr-HR"/>
           </a:p>
@@ -2268,7 +2269,7 @@
               <a:pPr>
                 <a:defRPr/>
               </a:pPr>
-              <a:t>30.10.2017.</a:t>
+              <a:t>8.11.2017.</a:t>
             </a:fld>
             <a:endParaRPr lang="hr-HR"/>
           </a:p>
@@ -2460,7 +2461,7 @@
               <a:pPr>
                 <a:defRPr/>
               </a:pPr>
-              <a:t>30.10.2017.</a:t>
+              <a:t>8.11.2017.</a:t>
             </a:fld>
             <a:endParaRPr lang="hr-HR"/>
           </a:p>
@@ -2708,7 +2709,7 @@
               <a:pPr>
                 <a:defRPr/>
               </a:pPr>
-              <a:t>30.10.2017.</a:t>
+              <a:t>8.11.2017.</a:t>
             </a:fld>
             <a:endParaRPr lang="hr-HR"/>
           </a:p>
@@ -2994,7 +2995,7 @@
               <a:pPr>
                 <a:defRPr/>
               </a:pPr>
-              <a:t>30.10.2017.</a:t>
+              <a:t>8.11.2017.</a:t>
             </a:fld>
             <a:endParaRPr lang="hr-HR"/>
           </a:p>
@@ -3425,7 +3426,7 @@
               <a:pPr>
                 <a:defRPr/>
               </a:pPr>
-              <a:t>30.10.2017.</a:t>
+              <a:t>8.11.2017.</a:t>
             </a:fld>
             <a:endParaRPr lang="hr-HR"/>
           </a:p>
@@ -3583,7 +3584,7 @@
               <a:pPr>
                 <a:defRPr/>
               </a:pPr>
-              <a:t>30.10.2017.</a:t>
+              <a:t>8.11.2017.</a:t>
             </a:fld>
             <a:endParaRPr lang="hr-HR"/>
           </a:p>
@@ -3700,7 +3701,7 @@
               <a:pPr>
                 <a:defRPr/>
               </a:pPr>
-              <a:t>30.10.2017.</a:t>
+              <a:t>8.11.2017.</a:t>
             </a:fld>
             <a:endParaRPr lang="hr-HR"/>
           </a:p>
@@ -3972,7 +3973,7 @@
               <a:pPr>
                 <a:defRPr/>
               </a:pPr>
-              <a:t>30.10.2017.</a:t>
+              <a:t>8.11.2017.</a:t>
             </a:fld>
             <a:endParaRPr lang="hr-HR"/>
           </a:p>
@@ -4246,7 +4247,7 @@
               <a:pPr>
                 <a:defRPr/>
               </a:pPr>
-              <a:t>30.10.2017.</a:t>
+              <a:t>8.11.2017.</a:t>
             </a:fld>
             <a:endParaRPr lang="hr-HR"/>
           </a:p>
@@ -5222,7 +5223,7 @@
               <a:pPr>
                 <a:defRPr/>
               </a:pPr>
-              <a:t>30.10.2017.</a:t>
+              <a:t>8.11.2017.</a:t>
             </a:fld>
             <a:endParaRPr lang="hr-HR"/>
           </a:p>
@@ -5795,25 +5796,8 @@
                 <a:latin typeface="Calibri" panose="020F0502020204030204" pitchFamily="34" charset="0"/>
                 <a:cs typeface="Calibri" panose="020F0502020204030204" pitchFamily="34" charset="0"/>
               </a:rPr>
-              <a:t>(1864. </a:t>
-            </a:r>
-            <a:r>
-              <a:rPr lang="hr-HR" sz="3200" dirty="0" smtClean="0">
-                <a:solidFill>
-                  <a:schemeClr val="bg1"/>
-                </a:solidFill>
-                <a:latin typeface="Calibri" panose="020F0502020204030204" pitchFamily="34" charset="0"/>
-                <a:cs typeface="Calibri" panose="020F0502020204030204" pitchFamily="34" charset="0"/>
-              </a:rPr>
-              <a:t>– 1920.)</a:t>
-            </a:r>
-            <a:endParaRPr lang="hr-HR" sz="3200" dirty="0" smtClean="0">
-              <a:solidFill>
-                <a:schemeClr val="bg1"/>
-              </a:solidFill>
-              <a:latin typeface="Calibri" panose="020F0502020204030204" pitchFamily="34" charset="0"/>
-              <a:cs typeface="Calibri" panose="020F0502020204030204" pitchFamily="34" charset="0"/>
-            </a:endParaRPr>
+              <a:t>(1864. – 1920.)</a:t>
+            </a:r>
           </a:p>
         </p:txBody>
       </p:sp>
@@ -5998,20 +5982,20 @@
     </p:spTree>
     <p:extLst>
       <p:ext uri="{BB962C8B-B14F-4D97-AF65-F5344CB8AC3E}">
-        <p14:creationId xmlns:p14="http://schemas.microsoft.com/office/powerpoint/2010/main" val="618300388"/>
+        <p14:creationId xmlns:p14="http://schemas.microsoft.com/office/powerpoint/2010/main" val="546752442"/>
       </p:ext>
     </p:extLst>
   </p:cSld>
   <p:clrMapOvr>
     <a:masterClrMapping/>
   </p:clrMapOvr>
-  <mc:AlternateContent xmlns:mc="http://schemas.openxmlformats.org/markup-compatibility/2006">
-    <mc:Choice xmlns:p14="http://schemas.microsoft.com/office/powerpoint/2010/main" Requires="p14">
+  <mc:AlternateContent xmlns:mc="http://schemas.openxmlformats.org/markup-compatibility/2006" xmlns:p14="http://schemas.microsoft.com/office/powerpoint/2010/main">
+    <mc:Choice Requires="p14">
       <p:transition>
         <p14:reveal/>
       </p:transition>
     </mc:Choice>
-    <mc:Fallback>
+    <mc:Fallback xmlns="">
       <p:transition>
         <p:fade/>
       </p:transition>
@@ -6046,6 +6030,286 @@
       </p:grpSpPr>
       <p:grpSp>
         <p:nvGrpSpPr>
+          <p:cNvPr id="2" name="Group 1"/>
+          <p:cNvGrpSpPr/>
+          <p:nvPr/>
+        </p:nvGrpSpPr>
+        <p:grpSpPr>
+          <a:xfrm>
+            <a:off x="3500438" y="289037"/>
+            <a:ext cx="5471391" cy="4106141"/>
+            <a:chOff x="3500438" y="289037"/>
+            <a:chExt cx="5471391" cy="4106141"/>
+          </a:xfrm>
+        </p:grpSpPr>
+        <p:pic>
+          <p:nvPicPr>
+            <p:cNvPr id="7" name="Picture 6" descr="pricest.jpg"/>
+            <p:cNvPicPr>
+              <a:picLocks noChangeAspect="1"/>
+            </p:cNvPicPr>
+            <p:nvPr/>
+          </p:nvPicPr>
+          <p:blipFill>
+            <a:blip r:embed="rId2"/>
+            <a:stretch>
+              <a:fillRect/>
+            </a:stretch>
+          </p:blipFill>
+          <p:spPr>
+            <a:xfrm>
+              <a:off x="3500438" y="289037"/>
+              <a:ext cx="5461000" cy="4095750"/>
+            </a:xfrm>
+            <a:prstGeom prst="rect">
+              <a:avLst/>
+            </a:prstGeom>
+            <a:ln>
+              <a:noFill/>
+            </a:ln>
+            <a:effectLst>
+              <a:outerShdw blurRad="50800" dist="38100" dir="2700000" algn="tl" rotWithShape="0">
+                <a:prstClr val="black">
+                  <a:alpha val="40000"/>
+                </a:prstClr>
+              </a:outerShdw>
+            </a:effectLst>
+          </p:spPr>
+        </p:pic>
+        <p:sp>
+          <p:nvSpPr>
+            <p:cNvPr id="13" name="TextBox 12"/>
+            <p:cNvSpPr txBox="1"/>
+            <p:nvPr/>
+          </p:nvSpPr>
+          <p:spPr>
+            <a:xfrm>
+              <a:off x="8229125" y="4025846"/>
+              <a:ext cx="742704" cy="369332"/>
+            </a:xfrm>
+            <a:prstGeom prst="rect">
+              <a:avLst/>
+            </a:prstGeom>
+            <a:solidFill>
+              <a:schemeClr val="bg1"/>
+            </a:solidFill>
+          </p:spPr>
+          <p:txBody>
+            <a:bodyPr wrap="none" rtlCol="0">
+              <a:spAutoFit/>
+            </a:bodyPr>
+            <a:lstStyle/>
+            <a:p>
+              <a:r>
+                <a:rPr lang="hr-HR" dirty="0" smtClean="0">
+                  <a:latin typeface="Calibri" panose="020F0502020204030204" pitchFamily="34" charset="0"/>
+                  <a:cs typeface="Calibri" panose="020F0502020204030204" pitchFamily="34" charset="0"/>
+                </a:rPr>
+                <a:t>obred</a:t>
+              </a:r>
+              <a:endParaRPr lang="hr-HR" dirty="0">
+                <a:latin typeface="Calibri" panose="020F0502020204030204" pitchFamily="34" charset="0"/>
+                <a:cs typeface="Calibri" panose="020F0502020204030204" pitchFamily="34" charset="0"/>
+              </a:endParaRPr>
+            </a:p>
+          </p:txBody>
+        </p:sp>
+      </p:grpSp>
+      <p:pic>
+        <p:nvPicPr>
+          <p:cNvPr id="6" name="Content Placeholder 5" descr="Azteci.jpg"/>
+          <p:cNvPicPr>
+            <a:picLocks noGrp="1" noChangeAspect="1"/>
+          </p:cNvPicPr>
+          <p:nvPr>
+            <p:ph idx="1"/>
+          </p:nvPr>
+        </p:nvPicPr>
+        <p:blipFill>
+          <a:blip r:embed="rId3" cstate="email"/>
+          <a:stretch>
+            <a:fillRect/>
+          </a:stretch>
+        </p:blipFill>
+        <p:spPr>
+          <a:xfrm>
+            <a:off x="251520" y="2852936"/>
+            <a:ext cx="3598875" cy="3794423"/>
+          </a:xfrm>
+          <a:effectLst>
+            <a:outerShdw blurRad="50800" dist="38100" dir="2700000" algn="tl" rotWithShape="0">
+              <a:prstClr val="black">
+                <a:alpha val="40000"/>
+              </a:prstClr>
+            </a:outerShdw>
+          </a:effectLst>
+        </p:spPr>
+      </p:pic>
+      <p:sp>
+        <p:nvSpPr>
+          <p:cNvPr id="12" name="TextBox 11"/>
+          <p:cNvSpPr txBox="1"/>
+          <p:nvPr/>
+        </p:nvSpPr>
+        <p:spPr>
+          <a:xfrm>
+            <a:off x="251520" y="6317008"/>
+            <a:ext cx="742704" cy="369332"/>
+          </a:xfrm>
+          <a:prstGeom prst="rect">
+            <a:avLst/>
+          </a:prstGeom>
+          <a:solidFill>
+            <a:schemeClr val="bg1"/>
+          </a:solidFill>
+        </p:spPr>
+        <p:txBody>
+          <a:bodyPr wrap="none" rtlCol="0">
+            <a:spAutoFit/>
+          </a:bodyPr>
+          <a:lstStyle/>
+          <a:p>
+            <a:r>
+              <a:rPr lang="hr-HR" dirty="0" smtClean="0">
+                <a:latin typeface="Calibri" panose="020F0502020204030204" pitchFamily="34" charset="0"/>
+                <a:cs typeface="Calibri" panose="020F0502020204030204" pitchFamily="34" charset="0"/>
+              </a:rPr>
+              <a:t>obred</a:t>
+            </a:r>
+            <a:endParaRPr lang="hr-HR" dirty="0">
+              <a:latin typeface="Calibri" panose="020F0502020204030204" pitchFamily="34" charset="0"/>
+              <a:cs typeface="Calibri" panose="020F0502020204030204" pitchFamily="34" charset="0"/>
+            </a:endParaRPr>
+          </a:p>
+        </p:txBody>
+      </p:sp>
+    </p:spTree>
+    <p:extLst>
+      <p:ext uri="{BB962C8B-B14F-4D97-AF65-F5344CB8AC3E}">
+        <p14:creationId xmlns:p14="http://schemas.microsoft.com/office/powerpoint/2010/main" val="1502108514"/>
+      </p:ext>
+    </p:extLst>
+  </p:cSld>
+  <p:clrMapOvr>
+    <a:masterClrMapping/>
+  </p:clrMapOvr>
+  <mc:AlternateContent xmlns:mc="http://schemas.openxmlformats.org/markup-compatibility/2006" xmlns:p14="http://schemas.microsoft.com/office/powerpoint/2010/main">
+    <mc:Choice Requires="p14">
+      <p:transition>
+        <p14:reveal/>
+      </p:transition>
+    </mc:Choice>
+    <mc:Fallback xmlns="">
+      <p:transition>
+        <p:fade/>
+      </p:transition>
+    </mc:Fallback>
+  </mc:AlternateContent>
+  <p:timing>
+    <p:tnLst>
+      <p:par>
+        <p:cTn id="1" dur="indefinite" restart="never" nodeType="tmRoot">
+          <p:childTnLst>
+            <p:seq concurrent="1" nextAc="seek">
+              <p:cTn id="2" dur="indefinite" nodeType="mainSeq">
+                <p:childTnLst>
+                  <p:par>
+                    <p:cTn id="3" fill="hold">
+                      <p:stCondLst>
+                        <p:cond delay="indefinite"/>
+                      </p:stCondLst>
+                      <p:childTnLst>
+                        <p:par>
+                          <p:cTn id="4" fill="hold">
+                            <p:stCondLst>
+                              <p:cond delay="0"/>
+                            </p:stCondLst>
+                            <p:childTnLst>
+                              <p:par>
+                                <p:cTn id="5" presetID="10" presetClass="entr" presetSubtype="0" fill="hold" nodeType="clickEffect">
+                                  <p:stCondLst>
+                                    <p:cond delay="0"/>
+                                  </p:stCondLst>
+                                  <p:childTnLst>
+                                    <p:set>
+                                      <p:cBhvr>
+                                        <p:cTn id="6" dur="1" fill="hold">
+                                          <p:stCondLst>
+                                            <p:cond delay="0"/>
+                                          </p:stCondLst>
+                                        </p:cTn>
+                                        <p:tgtEl>
+                                          <p:spTgt spid="6"/>
+                                        </p:tgtEl>
+                                        <p:attrNameLst>
+                                          <p:attrName>style.visibility</p:attrName>
+                                        </p:attrNameLst>
+                                      </p:cBhvr>
+                                      <p:to>
+                                        <p:strVal val="visible"/>
+                                      </p:to>
+                                    </p:set>
+                                    <p:animEffect transition="in" filter="fade">
+                                      <p:cBhvr>
+                                        <p:cTn id="7" dur="250"/>
+                                        <p:tgtEl>
+                                          <p:spTgt spid="6"/>
+                                        </p:tgtEl>
+                                      </p:cBhvr>
+                                    </p:animEffect>
+                                  </p:childTnLst>
+                                </p:cTn>
+                              </p:par>
+                            </p:childTnLst>
+                          </p:cTn>
+                        </p:par>
+                      </p:childTnLst>
+                    </p:cTn>
+                  </p:par>
+                </p:childTnLst>
+              </p:cTn>
+              <p:prevCondLst>
+                <p:cond evt="onPrev" delay="0">
+                  <p:tgtEl>
+                    <p:sldTgt/>
+                  </p:tgtEl>
+                </p:cond>
+              </p:prevCondLst>
+              <p:nextCondLst>
+                <p:cond evt="onNext" delay="0">
+                  <p:tgtEl>
+                    <p:sldTgt/>
+                  </p:tgtEl>
+                </p:cond>
+              </p:nextCondLst>
+            </p:seq>
+          </p:childTnLst>
+        </p:cTn>
+      </p:par>
+    </p:tnLst>
+  </p:timing>
+</p:sld>
+</file>
+
+<file path=ppt/slides/slide11.xml><?xml version="1.0" encoding="utf-8"?>
+<p:sld xmlns:a="http://schemas.openxmlformats.org/drawingml/2006/main" xmlns:r="http://schemas.openxmlformats.org/officeDocument/2006/relationships" xmlns:p="http://schemas.openxmlformats.org/presentationml/2006/main">
+  <p:cSld>
+    <p:spTree>
+      <p:nvGrpSpPr>
+        <p:cNvPr id="1" name=""/>
+        <p:cNvGrpSpPr/>
+        <p:nvPr/>
+      </p:nvGrpSpPr>
+      <p:grpSpPr>
+        <a:xfrm>
+          <a:off x="0" y="0"/>
+          <a:ext cx="0" cy="0"/>
+          <a:chOff x="0" y="0"/>
+          <a:chExt cx="0" cy="0"/>
+        </a:xfrm>
+      </p:grpSpPr>
+      <p:grpSp>
+        <p:nvGrpSpPr>
           <p:cNvPr id="15362" name="Group 7"/>
           <p:cNvGrpSpPr>
             <a:grpSpLocks/>
@@ -6054,10 +6318,10 @@
         </p:nvGrpSpPr>
         <p:grpSpPr bwMode="auto">
           <a:xfrm>
-            <a:off x="357188" y="571500"/>
-            <a:ext cx="8429625" cy="1066800"/>
-            <a:chOff x="357158" y="571480"/>
-            <a:chExt cx="8429684" cy="1066800"/>
+            <a:off x="251520" y="571500"/>
+            <a:ext cx="8535293" cy="1066800"/>
+            <a:chOff x="251489" y="571480"/>
+            <a:chExt cx="8535353" cy="1066800"/>
           </a:xfrm>
         </p:grpSpPr>
         <p:cxnSp>
@@ -6100,8 +6364,8 @@
           </p:nvSpPr>
           <p:spPr>
             <a:xfrm>
-              <a:off x="457200" y="571480"/>
-              <a:ext cx="8229600" cy="1066800"/>
+              <a:off x="251489" y="571480"/>
+              <a:ext cx="8435310" cy="1066800"/>
             </a:xfrm>
             <a:prstGeom prst="rect">
               <a:avLst/>
@@ -6191,25 +6455,19 @@
               <a:t>djelo </a:t>
             </a:r>
             <a:r>
-              <a:rPr lang="hr-HR" sz="3800" i="1" dirty="0" smtClean="0">
-                <a:latin typeface="Calibri" panose="020F0502020204030204" pitchFamily="34" charset="0"/>
-                <a:cs typeface="Calibri" panose="020F0502020204030204" pitchFamily="34" charset="0"/>
-              </a:rPr>
-              <a:t>„Protestantska </a:t>
-            </a:r>
-            <a:r>
-              <a:rPr lang="hr-HR" sz="3800" i="1" dirty="0" smtClean="0">
-                <a:latin typeface="Calibri" panose="020F0502020204030204" pitchFamily="34" charset="0"/>
-                <a:cs typeface="Calibri" panose="020F0502020204030204" pitchFamily="34" charset="0"/>
-              </a:rPr>
-              <a:t>etika i duh </a:t>
-            </a:r>
-            <a:r>
-              <a:rPr lang="hr-HR" sz="3800" i="1" dirty="0" smtClean="0">
-                <a:latin typeface="Calibri" panose="020F0502020204030204" pitchFamily="34" charset="0"/>
-                <a:cs typeface="Calibri" panose="020F0502020204030204" pitchFamily="34" charset="0"/>
-              </a:rPr>
-              <a:t>kapitalizma” </a:t>
+              <a:rPr lang="hr-HR" sz="3900" i="1" dirty="0">
+                <a:highlight>
+                  <a:srgbClr val="FFFF00"/>
+                </a:highlight>
+                <a:latin typeface="Calibri"/>
+                <a:ea typeface="Calibri"/>
+                <a:cs typeface="Times New Roman"/>
+              </a:rPr>
+              <a:t>„Protestantska etika i duh kapitalizma”</a:t>
+            </a:r>
+            <a:r>
+              <a:rPr lang="hr-HR" sz="3900" i="1" dirty="0"/>
+              <a:t> </a:t>
             </a:r>
             <a:r>
               <a:rPr lang="hr-HR" sz="3800" i="1" dirty="0" smtClean="0">
@@ -6271,14 +6529,7 @@
                 <a:latin typeface="Calibri" panose="020F0502020204030204" pitchFamily="34" charset="0"/>
                 <a:cs typeface="Calibri" panose="020F0502020204030204" pitchFamily="34" charset="0"/>
               </a:rPr>
-              <a:t> </a:t>
-            </a:r>
-            <a:r>
-              <a:rPr lang="hr-HR" sz="3600" dirty="0" smtClean="0">
-                <a:latin typeface="Calibri" panose="020F0502020204030204" pitchFamily="34" charset="0"/>
-                <a:cs typeface="Calibri" panose="020F0502020204030204" pitchFamily="34" charset="0"/>
-              </a:rPr>
-              <a:t>– </a:t>
+              <a:t> – </a:t>
             </a:r>
             <a:r>
               <a:rPr lang="vi-VN" sz="3600" dirty="0" smtClean="0">
@@ -6296,14 +6547,7 @@
                 <a:latin typeface="Calibri" panose="020F0502020204030204" pitchFamily="34" charset="0"/>
                 <a:cs typeface="Calibri" panose="020F0502020204030204" pitchFamily="34" charset="0"/>
               </a:rPr>
-              <a:t> </a:t>
-            </a:r>
-            <a:r>
-              <a:rPr lang="vi-VN" sz="3600" dirty="0" smtClean="0">
-                <a:latin typeface="Calibri" panose="020F0502020204030204" pitchFamily="34" charset="0"/>
-                <a:cs typeface="Calibri" panose="020F0502020204030204" pitchFamily="34" charset="0"/>
-              </a:rPr>
-              <a:t>na uvjerenju da je </a:t>
+              <a:t> na uvjerenju da je </a:t>
             </a:r>
             <a:r>
               <a:rPr lang="vi-VN" sz="3600" b="1" dirty="0" smtClean="0">
@@ -6424,7 +6668,7 @@
                 <a:latin typeface="Calibri" panose="020F0502020204030204" pitchFamily="34" charset="0"/>
                 <a:cs typeface="Calibri" panose="020F0502020204030204" pitchFamily="34" charset="0"/>
               </a:rPr>
-              <a:t> - </a:t>
+              <a:t> – </a:t>
             </a:r>
             <a:r>
               <a:rPr lang="hr-HR" sz="3400" u="sng" dirty="0" smtClean="0">
@@ -6455,14 +6699,51 @@
                 <a:latin typeface="Calibri" panose="020F0502020204030204" pitchFamily="34" charset="0"/>
                 <a:cs typeface="Calibri" panose="020F0502020204030204" pitchFamily="34" charset="0"/>
               </a:rPr>
-              <a:t>prezire </a:t>
+              <a:t>prezire se lijenost i rastrošnost, iracionalnost i ceremenije, profit se </a:t>
+            </a:r>
+            <a:r>
+              <a:rPr lang="hr-HR" sz="3600" b="1" dirty="0" smtClean="0">
+                <a:solidFill>
+                  <a:srgbClr val="FF0000"/>
+                </a:solidFill>
+                <a:latin typeface="Calibri" panose="020F0502020204030204" pitchFamily="34" charset="0"/>
+                <a:cs typeface="Calibri" panose="020F0502020204030204" pitchFamily="34" charset="0"/>
+              </a:rPr>
+              <a:t>ne troši</a:t>
             </a:r>
             <a:r>
               <a:rPr lang="hr-HR" sz="3600" dirty="0" smtClean="0">
                 <a:latin typeface="Calibri" panose="020F0502020204030204" pitchFamily="34" charset="0"/>
                 <a:cs typeface="Calibri" panose="020F0502020204030204" pitchFamily="34" charset="0"/>
               </a:rPr>
-              <a:t>se lijenost i rastrošnost, iracionalnost i ceremenije, profit se ne troši, već ulaže – </a:t>
+              <a:t>, već </a:t>
+            </a:r>
+            <a:r>
+              <a:rPr lang="hr-HR" sz="3600" b="1" dirty="0" smtClean="0">
+                <a:solidFill>
+                  <a:srgbClr val="FF0000"/>
+                </a:solidFill>
+                <a:latin typeface="Calibri" panose="020F0502020204030204" pitchFamily="34" charset="0"/>
+                <a:cs typeface="Calibri" panose="020F0502020204030204" pitchFamily="34" charset="0"/>
+              </a:rPr>
+              <a:t>ulaže</a:t>
+            </a:r>
+            <a:r>
+              <a:rPr lang="hr-HR" sz="3600" dirty="0" smtClean="0">
+                <a:solidFill>
+                  <a:srgbClr val="FF0000"/>
+                </a:solidFill>
+                <a:latin typeface="Calibri" panose="020F0502020204030204" pitchFamily="34" charset="0"/>
+                <a:cs typeface="Calibri" panose="020F0502020204030204" pitchFamily="34" charset="0"/>
+              </a:rPr>
+              <a:t> </a:t>
+            </a:r>
+            <a:r>
+              <a:rPr lang="hr-HR" sz="3600" dirty="0" smtClean="0">
+                <a:latin typeface="Calibri" panose="020F0502020204030204" pitchFamily="34" charset="0"/>
+                <a:cs typeface="Calibri" panose="020F0502020204030204" pitchFamily="34" charset="0"/>
+              </a:rPr>
+              <a:t>– </a:t>
             </a:r>
             <a:r>
               <a:rPr lang="hr-HR" sz="3600" u="sng" dirty="0" smtClean="0">
@@ -6535,20 +6816,20 @@
     </p:spTree>
     <p:extLst>
       <p:ext uri="{BB962C8B-B14F-4D97-AF65-F5344CB8AC3E}">
-        <p14:creationId xmlns:p14="http://schemas.microsoft.com/office/powerpoint/2010/main" val="2803639740"/>
+        <p14:creationId xmlns:p14="http://schemas.microsoft.com/office/powerpoint/2010/main" val="2287483698"/>
       </p:ext>
     </p:extLst>
   </p:cSld>
   <p:clrMapOvr>
     <a:masterClrMapping/>
   </p:clrMapOvr>
-  <mc:AlternateContent xmlns:mc="http://schemas.openxmlformats.org/markup-compatibility/2006">
-    <mc:Choice xmlns:p14="http://schemas.microsoft.com/office/powerpoint/2010/main" Requires="p14">
+  <mc:AlternateContent xmlns:mc="http://schemas.openxmlformats.org/markup-compatibility/2006" xmlns:p14="http://schemas.microsoft.com/office/powerpoint/2010/main">
+    <mc:Choice Requires="p14">
       <p:transition>
         <p14:reveal/>
       </p:transition>
     </mc:Choice>
-    <mc:Fallback>
+    <mc:Fallback xmlns="">
       <p:transition>
         <p:fade/>
       </p:transition>
@@ -6914,216 +7195,6 @@
 </p:sld>
 </file>
 
-<file path=ppt/slides/slide11.xml><?xml version="1.0" encoding="utf-8"?>
-<p:sld xmlns:a="http://schemas.openxmlformats.org/drawingml/2006/main" xmlns:r="http://schemas.openxmlformats.org/officeDocument/2006/relationships" xmlns:p="http://schemas.openxmlformats.org/presentationml/2006/main">
-  <p:cSld>
-    <p:spTree>
-      <p:nvGrpSpPr>
-        <p:cNvPr id="1" name=""/>
-        <p:cNvGrpSpPr/>
-        <p:nvPr/>
-      </p:nvGrpSpPr>
-      <p:grpSpPr>
-        <a:xfrm>
-          <a:off x="0" y="0"/>
-          <a:ext cx="0" cy="0"/>
-          <a:chOff x="0" y="0"/>
-          <a:chExt cx="0" cy="0"/>
-        </a:xfrm>
-      </p:grpSpPr>
-      <p:pic>
-        <p:nvPicPr>
-          <p:cNvPr id="1026" name="Picture 2" descr="https://upload.wikimedia.org/wikipedia/commons/thumb/c/cc/Grant_Wood_-_American_Gothic_-_Google_Art_Project.jpg/1200px-Grant_Wood_-_American_Gothic_-_Google_Art_Project.jpg"/>
-          <p:cNvPicPr>
-            <a:picLocks noChangeAspect="1" noChangeArrowheads="1"/>
-          </p:cNvPicPr>
-          <p:nvPr/>
-        </p:nvPicPr>
-        <p:blipFill>
-          <a:blip r:embed="rId2">
-            <a:extLst>
-              <a:ext uri="{28A0092B-C50C-407E-A947-70E740481C1C}">
-                <a14:useLocalDpi xmlns:a14="http://schemas.microsoft.com/office/drawing/2010/main" val="0"/>
-              </a:ext>
-            </a:extLst>
-          </a:blip>
-          <a:srcRect/>
-          <a:stretch>
-            <a:fillRect/>
-          </a:stretch>
-        </p:blipFill>
-        <p:spPr bwMode="auto">
-          <a:xfrm>
-            <a:off x="2051720" y="404664"/>
-            <a:ext cx="5256584" cy="6342947"/>
-          </a:xfrm>
-          <a:prstGeom prst="rect">
-            <a:avLst/>
-          </a:prstGeom>
-          <a:noFill/>
-          <a:extLst>
-            <a:ext uri="{909E8E84-426E-40DD-AFC4-6F175D3DCCD1}">
-              <a14:hiddenFill xmlns:a14="http://schemas.microsoft.com/office/drawing/2010/main">
-                <a:solidFill>
-                  <a:srgbClr val="FFFFFF"/>
-                </a:solidFill>
-              </a14:hiddenFill>
-            </a:ext>
-          </a:extLst>
-        </p:spPr>
-      </p:pic>
-      <p:pic>
-        <p:nvPicPr>
-          <p:cNvPr id="1028" name="Picture 4" descr="https://www.annarborartcenter.org/wp-content/uploads/2016/05/American-Gothic-Real-American-Ann-Arbor-Art-Center-Exhibition-117-Gallery.jpg"/>
-          <p:cNvPicPr>
-            <a:picLocks noChangeAspect="1" noChangeArrowheads="1"/>
-          </p:cNvPicPr>
-          <p:nvPr/>
-        </p:nvPicPr>
-        <p:blipFill>
-          <a:blip r:embed="rId3">
-            <a:extLst>
-              <a:ext uri="{28A0092B-C50C-407E-A947-70E740481C1C}">
-                <a14:useLocalDpi xmlns:a14="http://schemas.microsoft.com/office/drawing/2010/main" val="0"/>
-              </a:ext>
-            </a:extLst>
-          </a:blip>
-          <a:srcRect/>
-          <a:stretch>
-            <a:fillRect/>
-          </a:stretch>
-        </p:blipFill>
-        <p:spPr bwMode="auto">
-          <a:xfrm>
-            <a:off x="2051720" y="404664"/>
-            <a:ext cx="5256584" cy="6341723"/>
-          </a:xfrm>
-          <a:prstGeom prst="rect">
-            <a:avLst/>
-          </a:prstGeom>
-          <a:noFill/>
-          <a:extLst>
-            <a:ext uri="{909E8E84-426E-40DD-AFC4-6F175D3DCCD1}">
-              <a14:hiddenFill xmlns:a14="http://schemas.microsoft.com/office/drawing/2010/main">
-                <a:solidFill>
-                  <a:srgbClr val="FFFFFF"/>
-                </a:solidFill>
-              </a14:hiddenFill>
-            </a:ext>
-          </a:extLst>
-        </p:spPr>
-      </p:pic>
-    </p:spTree>
-    <p:extLst>
-      <p:ext uri="{BB962C8B-B14F-4D97-AF65-F5344CB8AC3E}">
-        <p14:creationId xmlns:p14="http://schemas.microsoft.com/office/powerpoint/2010/main" val="3463456478"/>
-      </p:ext>
-    </p:extLst>
-  </p:cSld>
-  <p:clrMapOvr>
-    <a:masterClrMapping/>
-  </p:clrMapOvr>
-  <mc:AlternateContent xmlns:mc="http://schemas.openxmlformats.org/markup-compatibility/2006">
-    <mc:Choice xmlns:p14="http://schemas.microsoft.com/office/powerpoint/2010/main" Requires="p14">
-      <p:transition>
-        <p14:reveal/>
-      </p:transition>
-    </mc:Choice>
-    <mc:Fallback>
-      <p:transition>
-        <p:fade/>
-      </p:transition>
-    </mc:Fallback>
-  </mc:AlternateContent>
-  <p:timing>
-    <p:tnLst>
-      <p:par>
-        <p:cTn id="1" dur="indefinite" restart="never" nodeType="tmRoot">
-          <p:childTnLst>
-            <p:seq concurrent="1" nextAc="seek">
-              <p:cTn id="2" dur="indefinite" nodeType="mainSeq">
-                <p:childTnLst>
-                  <p:par>
-                    <p:cTn id="3" fill="hold">
-                      <p:stCondLst>
-                        <p:cond delay="indefinite"/>
-                        <p:cond evt="onBegin" delay="0">
-                          <p:tn val="2"/>
-                        </p:cond>
-                      </p:stCondLst>
-                      <p:childTnLst>
-                        <p:par>
-                          <p:cTn id="4" fill="hold">
-                            <p:stCondLst>
-                              <p:cond delay="0"/>
-                            </p:stCondLst>
-                            <p:childTnLst>
-                              <p:par>
-                                <p:cTn id="5" presetID="10" presetClass="entr" presetSubtype="0" fill="hold" nodeType="afterEffect">
-                                  <p:stCondLst>
-                                    <p:cond delay="3000"/>
-                                  </p:stCondLst>
-                                  <p:childTnLst>
-                                    <p:set>
-                                      <p:cBhvr>
-                                        <p:cTn id="6" dur="1" fill="hold">
-                                          <p:stCondLst>
-                                            <p:cond delay="0"/>
-                                          </p:stCondLst>
-                                        </p:cTn>
-                                        <p:tgtEl>
-                                          <p:spTgt spid="1028"/>
-                                        </p:tgtEl>
-                                        <p:attrNameLst>
-                                          <p:attrName>style.visibility</p:attrName>
-                                        </p:attrNameLst>
-                                      </p:cBhvr>
-                                      <p:to>
-                                        <p:strVal val="visible"/>
-                                      </p:to>
-                                    </p:set>
-                                    <p:animEffect transition="in" filter="fade">
-                                      <p:cBhvr>
-                                        <p:cTn id="7" dur="2000"/>
-                                        <p:tgtEl>
-                                          <p:spTgt spid="1028"/>
-                                        </p:tgtEl>
-                                      </p:cBhvr>
-                                    </p:animEffect>
-                                  </p:childTnLst>
-                                </p:cTn>
-                              </p:par>
-                            </p:childTnLst>
-                          </p:cTn>
-                        </p:par>
-                      </p:childTnLst>
-                    </p:cTn>
-                  </p:par>
-                </p:childTnLst>
-              </p:cTn>
-              <p:prevCondLst>
-                <p:cond evt="onPrev" delay="0">
-                  <p:tgtEl>
-                    <p:sldTgt/>
-                  </p:tgtEl>
-                </p:cond>
-              </p:prevCondLst>
-              <p:nextCondLst>
-                <p:cond evt="onNext" delay="0">
-                  <p:tgtEl>
-                    <p:sldTgt/>
-                  </p:tgtEl>
-                </p:cond>
-              </p:nextCondLst>
-            </p:seq>
-          </p:childTnLst>
-        </p:cTn>
-      </p:par>
-    </p:tnLst>
-  </p:timing>
-</p:sld>
-</file>
-
 <file path=ppt/slides/slide12.xml><?xml version="1.0" encoding="utf-8"?>
 <p:sld xmlns:a="http://schemas.openxmlformats.org/drawingml/2006/main" xmlns:r="http://schemas.openxmlformats.org/officeDocument/2006/relationships" xmlns:p="http://schemas.openxmlformats.org/presentationml/2006/main">
   <p:cSld>
@@ -7438,6 +7509,17 @@
               </a:rPr>
               <a:t>akumulacija novca </a:t>
             </a:r>
+            <a:r>
+              <a:rPr lang="hr-HR" sz="2400" dirty="0" smtClean="0"/>
+              <a:t>i dobara</a:t>
+            </a:r>
+            <a:endParaRPr lang="hr-HR" sz="2400" dirty="0" smtClean="0">
+              <a:solidFill>
+                <a:schemeClr val="tx1"/>
+              </a:solidFill>
+              <a:latin typeface="Calibri" panose="020F0502020204030204" pitchFamily="34" charset="0"/>
+              <a:cs typeface="Calibri" panose="020F0502020204030204" pitchFamily="34" charset="0"/>
+            </a:endParaRPr>
           </a:p>
           <a:p>
             <a:pPr>
@@ -7487,20 +7569,20 @@
     </p:spTree>
     <p:extLst>
       <p:ext uri="{BB962C8B-B14F-4D97-AF65-F5344CB8AC3E}">
-        <p14:creationId xmlns:p14="http://schemas.microsoft.com/office/powerpoint/2010/main" val="2757302108"/>
+        <p14:creationId xmlns:p14="http://schemas.microsoft.com/office/powerpoint/2010/main" val="3429613639"/>
       </p:ext>
     </p:extLst>
   </p:cSld>
   <p:clrMapOvr>
     <a:masterClrMapping/>
   </p:clrMapOvr>
-  <mc:AlternateContent xmlns:mc="http://schemas.openxmlformats.org/markup-compatibility/2006">
-    <mc:Choice xmlns:p14="http://schemas.microsoft.com/office/powerpoint/2010/main" Requires="p14">
+  <mc:AlternateContent xmlns:mc="http://schemas.openxmlformats.org/markup-compatibility/2006" xmlns:p14="http://schemas.microsoft.com/office/powerpoint/2010/main">
+    <mc:Choice Requires="p14">
       <p:transition>
         <p14:reveal/>
       </p:transition>
     </mc:Choice>
-    <mc:Fallback>
+    <mc:Fallback xmlns="">
       <p:transition>
         <p:fade/>
       </p:transition>
@@ -7928,6 +8010,216 @@
 </file>
 
 <file path=ppt/slides/slide13.xml><?xml version="1.0" encoding="utf-8"?>
+<p:sld xmlns:a="http://schemas.openxmlformats.org/drawingml/2006/main" xmlns:r="http://schemas.openxmlformats.org/officeDocument/2006/relationships" xmlns:p="http://schemas.openxmlformats.org/presentationml/2006/main">
+  <p:cSld>
+    <p:spTree>
+      <p:nvGrpSpPr>
+        <p:cNvPr id="1" name=""/>
+        <p:cNvGrpSpPr/>
+        <p:nvPr/>
+      </p:nvGrpSpPr>
+      <p:grpSpPr>
+        <a:xfrm>
+          <a:off x="0" y="0"/>
+          <a:ext cx="0" cy="0"/>
+          <a:chOff x="0" y="0"/>
+          <a:chExt cx="0" cy="0"/>
+        </a:xfrm>
+      </p:grpSpPr>
+      <p:pic>
+        <p:nvPicPr>
+          <p:cNvPr id="1026" name="Picture 2" descr="https://upload.wikimedia.org/wikipedia/commons/thumb/c/cc/Grant_Wood_-_American_Gothic_-_Google_Art_Project.jpg/1200px-Grant_Wood_-_American_Gothic_-_Google_Art_Project.jpg"/>
+          <p:cNvPicPr>
+            <a:picLocks noChangeAspect="1" noChangeArrowheads="1"/>
+          </p:cNvPicPr>
+          <p:nvPr/>
+        </p:nvPicPr>
+        <p:blipFill>
+          <a:blip r:embed="rId2" cstate="print">
+            <a:extLst>
+              <a:ext uri="{28A0092B-C50C-407E-A947-70E740481C1C}">
+                <a14:useLocalDpi xmlns:a14="http://schemas.microsoft.com/office/drawing/2010/main" val="0"/>
+              </a:ext>
+            </a:extLst>
+          </a:blip>
+          <a:srcRect/>
+          <a:stretch>
+            <a:fillRect/>
+          </a:stretch>
+        </p:blipFill>
+        <p:spPr bwMode="auto">
+          <a:xfrm>
+            <a:off x="107504" y="902400"/>
+            <a:ext cx="4431605" cy="5347472"/>
+          </a:xfrm>
+          <a:prstGeom prst="rect">
+            <a:avLst/>
+          </a:prstGeom>
+          <a:noFill/>
+          <a:extLst>
+            <a:ext uri="{909E8E84-426E-40DD-AFC4-6F175D3DCCD1}">
+              <a14:hiddenFill xmlns:a14="http://schemas.microsoft.com/office/drawing/2010/main">
+                <a:solidFill>
+                  <a:srgbClr val="FFFFFF"/>
+                </a:solidFill>
+              </a14:hiddenFill>
+            </a:ext>
+          </a:extLst>
+        </p:spPr>
+      </p:pic>
+      <p:pic>
+        <p:nvPicPr>
+          <p:cNvPr id="1028" name="Picture 4" descr="https://www.annarborartcenter.org/wp-content/uploads/2016/05/American-Gothic-Real-American-Ann-Arbor-Art-Center-Exhibition-117-Gallery.jpg"/>
+          <p:cNvPicPr>
+            <a:picLocks noChangeAspect="1" noChangeArrowheads="1"/>
+          </p:cNvPicPr>
+          <p:nvPr/>
+        </p:nvPicPr>
+        <p:blipFill>
+          <a:blip r:embed="rId3">
+            <a:extLst>
+              <a:ext uri="{28A0092B-C50C-407E-A947-70E740481C1C}">
+                <a14:useLocalDpi xmlns:a14="http://schemas.microsoft.com/office/drawing/2010/main" val="0"/>
+              </a:ext>
+            </a:extLst>
+          </a:blip>
+          <a:srcRect/>
+          <a:stretch>
+            <a:fillRect/>
+          </a:stretch>
+        </p:blipFill>
+        <p:spPr bwMode="auto">
+          <a:xfrm>
+            <a:off x="4604891" y="902303"/>
+            <a:ext cx="4431605" cy="5346440"/>
+          </a:xfrm>
+          <a:prstGeom prst="rect">
+            <a:avLst/>
+          </a:prstGeom>
+          <a:noFill/>
+          <a:extLst>
+            <a:ext uri="{909E8E84-426E-40DD-AFC4-6F175D3DCCD1}">
+              <a14:hiddenFill xmlns:a14="http://schemas.microsoft.com/office/drawing/2010/main">
+                <a:solidFill>
+                  <a:srgbClr val="FFFFFF"/>
+                </a:solidFill>
+              </a14:hiddenFill>
+            </a:ext>
+          </a:extLst>
+        </p:spPr>
+      </p:pic>
+    </p:spTree>
+    <p:extLst>
+      <p:ext uri="{BB962C8B-B14F-4D97-AF65-F5344CB8AC3E}">
+        <p14:creationId xmlns:p14="http://schemas.microsoft.com/office/powerpoint/2010/main" val="2795734275"/>
+      </p:ext>
+    </p:extLst>
+  </p:cSld>
+  <p:clrMapOvr>
+    <a:masterClrMapping/>
+  </p:clrMapOvr>
+  <mc:AlternateContent xmlns:mc="http://schemas.openxmlformats.org/markup-compatibility/2006" xmlns:p14="http://schemas.microsoft.com/office/powerpoint/2010/main">
+    <mc:Choice Requires="p14">
+      <p:transition>
+        <p14:reveal/>
+      </p:transition>
+    </mc:Choice>
+    <mc:Fallback xmlns="">
+      <p:transition>
+        <p:fade/>
+      </p:transition>
+    </mc:Fallback>
+  </mc:AlternateContent>
+  <p:timing>
+    <p:tnLst>
+      <p:par>
+        <p:cTn id="1" dur="indefinite" restart="never" nodeType="tmRoot">
+          <p:childTnLst>
+            <p:seq concurrent="1" nextAc="seek">
+              <p:cTn id="2" dur="indefinite" nodeType="mainSeq">
+                <p:childTnLst>
+                  <p:par>
+                    <p:cTn id="3" fill="hold">
+                      <p:stCondLst>
+                        <p:cond delay="indefinite"/>
+                        <p:cond evt="onBegin" delay="0">
+                          <p:tn val="2"/>
+                        </p:cond>
+                      </p:stCondLst>
+                      <p:childTnLst>
+                        <p:par>
+                          <p:cTn id="4" fill="hold">
+                            <p:stCondLst>
+                              <p:cond delay="0"/>
+                            </p:stCondLst>
+                            <p:childTnLst>
+                              <p:par>
+                                <p:cTn id="5" presetID="10" presetClass="entr" presetSubtype="0" fill="hold" nodeType="afterEffect">
+                                  <p:stCondLst>
+                                    <p:cond delay="3000"/>
+                                  </p:stCondLst>
+                                  <p:childTnLst>
+                                    <p:set>
+                                      <p:cBhvr>
+                                        <p:cTn id="6" dur="1" fill="hold">
+                                          <p:stCondLst>
+                                            <p:cond delay="0"/>
+                                          </p:stCondLst>
+                                        </p:cTn>
+                                        <p:tgtEl>
+                                          <p:spTgt spid="1028"/>
+                                        </p:tgtEl>
+                                        <p:attrNameLst>
+                                          <p:attrName>style.visibility</p:attrName>
+                                        </p:attrNameLst>
+                                      </p:cBhvr>
+                                      <p:to>
+                                        <p:strVal val="visible"/>
+                                      </p:to>
+                                    </p:set>
+                                    <p:animEffect transition="in" filter="fade">
+                                      <p:cBhvr>
+                                        <p:cTn id="7" dur="2000"/>
+                                        <p:tgtEl>
+                                          <p:spTgt spid="1028"/>
+                                        </p:tgtEl>
+                                      </p:cBhvr>
+                                    </p:animEffect>
+                                  </p:childTnLst>
+                                </p:cTn>
+                              </p:par>
+                            </p:childTnLst>
+                          </p:cTn>
+                        </p:par>
+                      </p:childTnLst>
+                    </p:cTn>
+                  </p:par>
+                </p:childTnLst>
+              </p:cTn>
+              <p:prevCondLst>
+                <p:cond evt="onPrev" delay="0">
+                  <p:tgtEl>
+                    <p:sldTgt/>
+                  </p:tgtEl>
+                </p:cond>
+              </p:prevCondLst>
+              <p:nextCondLst>
+                <p:cond evt="onNext" delay="0">
+                  <p:tgtEl>
+                    <p:sldTgt/>
+                  </p:tgtEl>
+                </p:cond>
+              </p:nextCondLst>
+            </p:seq>
+          </p:childTnLst>
+        </p:cTn>
+      </p:par>
+    </p:tnLst>
+  </p:timing>
+</p:sld>
+</file>
+
+<file path=ppt/slides/slide14.xml><?xml version="1.0" encoding="utf-8"?>
 <p:sld xmlns:a="http://schemas.openxmlformats.org/drawingml/2006/main" xmlns:r="http://schemas.openxmlformats.org/officeDocument/2006/relationships" xmlns:p="http://schemas.openxmlformats.org/presentationml/2006/main" show="0">
   <p:cSld>
     <p:spTree>
@@ -8295,20 +8587,20 @@
     </p:spTree>
     <p:extLst>
       <p:ext uri="{BB962C8B-B14F-4D97-AF65-F5344CB8AC3E}">
-        <p14:creationId xmlns:p14="http://schemas.microsoft.com/office/powerpoint/2010/main" val="3473513782"/>
+        <p14:creationId xmlns:p14="http://schemas.microsoft.com/office/powerpoint/2010/main" val="1833956586"/>
       </p:ext>
     </p:extLst>
   </p:cSld>
   <p:clrMapOvr>
     <a:masterClrMapping/>
   </p:clrMapOvr>
-  <mc:AlternateContent xmlns:mc="http://schemas.openxmlformats.org/markup-compatibility/2006">
-    <mc:Choice xmlns:p14="http://schemas.microsoft.com/office/powerpoint/2010/main" Requires="p14">
+  <mc:AlternateContent xmlns:mc="http://schemas.openxmlformats.org/markup-compatibility/2006" xmlns:p14="http://schemas.microsoft.com/office/powerpoint/2010/main">
+    <mc:Choice Requires="p14">
       <p:transition>
         <p14:reveal/>
       </p:transition>
     </mc:Choice>
-    <mc:Fallback>
+    <mc:Fallback xmlns="">
       <p:transition>
         <p:fade/>
       </p:transition>
@@ -8674,7 +8966,7 @@
 </p:sld>
 </file>
 
-<file path=ppt/slides/slide14.xml><?xml version="1.0" encoding="utf-8"?>
+<file path=ppt/slides/slide15.xml><?xml version="1.0" encoding="utf-8"?>
 <p:sld xmlns:a="http://schemas.openxmlformats.org/drawingml/2006/main" xmlns:r="http://schemas.openxmlformats.org/officeDocument/2006/relationships" xmlns:p="http://schemas.openxmlformats.org/presentationml/2006/main">
   <p:cSld>
     <p:spTree>
@@ -8969,20 +9261,20 @@
     </p:spTree>
     <p:extLst>
       <p:ext uri="{BB962C8B-B14F-4D97-AF65-F5344CB8AC3E}">
-        <p14:creationId xmlns:p14="http://schemas.microsoft.com/office/powerpoint/2010/main" val="461999176"/>
+        <p14:creationId xmlns:p14="http://schemas.microsoft.com/office/powerpoint/2010/main" val="2065622995"/>
       </p:ext>
     </p:extLst>
   </p:cSld>
   <p:clrMapOvr>
     <a:masterClrMapping/>
   </p:clrMapOvr>
-  <mc:AlternateContent xmlns:mc="http://schemas.openxmlformats.org/markup-compatibility/2006">
-    <mc:Choice xmlns:p14="http://schemas.microsoft.com/office/powerpoint/2010/main" Requires="p14">
+  <mc:AlternateContent xmlns:mc="http://schemas.openxmlformats.org/markup-compatibility/2006" xmlns:p14="http://schemas.microsoft.com/office/powerpoint/2010/main">
+    <mc:Choice Requires="p14">
       <p:transition>
         <p14:reveal/>
       </p:transition>
     </mc:Choice>
-    <mc:Fallback>
+    <mc:Fallback xmlns="">
       <p:transition>
         <p:fade/>
       </p:transition>
@@ -9656,20 +9948,20 @@
     </p:spTree>
     <p:extLst>
       <p:ext uri="{BB962C8B-B14F-4D97-AF65-F5344CB8AC3E}">
-        <p14:creationId xmlns:p14="http://schemas.microsoft.com/office/powerpoint/2010/main" val="1372114802"/>
+        <p14:creationId xmlns:p14="http://schemas.microsoft.com/office/powerpoint/2010/main" val="3629601192"/>
       </p:ext>
     </p:extLst>
   </p:cSld>
   <p:clrMapOvr>
     <a:masterClrMapping/>
   </p:clrMapOvr>
-  <mc:AlternateContent xmlns:mc="http://schemas.openxmlformats.org/markup-compatibility/2006">
-    <mc:Choice xmlns:p14="http://schemas.microsoft.com/office/powerpoint/2010/main" Requires="p14">
+  <mc:AlternateContent xmlns:mc="http://schemas.openxmlformats.org/markup-compatibility/2006" xmlns:p14="http://schemas.microsoft.com/office/powerpoint/2010/main">
+    <mc:Choice Requires="p14">
       <p:transition>
         <p14:reveal/>
       </p:transition>
     </mc:Choice>
-    <mc:Fallback>
+    <mc:Fallback xmlns="">
       <p:transition>
         <p:fade/>
       </p:transition>
@@ -10353,20 +10645,20 @@
     </p:spTree>
     <p:extLst>
       <p:ext uri="{BB962C8B-B14F-4D97-AF65-F5344CB8AC3E}">
-        <p14:creationId xmlns:p14="http://schemas.microsoft.com/office/powerpoint/2010/main" val="656945640"/>
+        <p14:creationId xmlns:p14="http://schemas.microsoft.com/office/powerpoint/2010/main" val="4042625296"/>
       </p:ext>
     </p:extLst>
   </p:cSld>
   <p:clrMapOvr>
     <a:masterClrMapping/>
   </p:clrMapOvr>
-  <mc:AlternateContent xmlns:mc="http://schemas.openxmlformats.org/markup-compatibility/2006">
-    <mc:Choice xmlns:p14="http://schemas.microsoft.com/office/powerpoint/2010/main" Requires="p14">
+  <mc:AlternateContent xmlns:mc="http://schemas.openxmlformats.org/markup-compatibility/2006" xmlns:p14="http://schemas.microsoft.com/office/powerpoint/2010/main">
+    <mc:Choice Requires="p14">
       <p:transition>
         <p14:reveal/>
       </p:transition>
     </mc:Choice>
-    <mc:Fallback>
+    <mc:Fallback xmlns="">
       <p:transition>
         <p:fade/>
       </p:transition>
@@ -11210,20 +11502,20 @@
     </p:spTree>
     <p:extLst>
       <p:ext uri="{BB962C8B-B14F-4D97-AF65-F5344CB8AC3E}">
-        <p14:creationId xmlns:p14="http://schemas.microsoft.com/office/powerpoint/2010/main" val="3009626185"/>
+        <p14:creationId xmlns:p14="http://schemas.microsoft.com/office/powerpoint/2010/main" val="2895787927"/>
       </p:ext>
     </p:extLst>
   </p:cSld>
   <p:clrMapOvr>
     <a:masterClrMapping/>
   </p:clrMapOvr>
-  <mc:AlternateContent xmlns:mc="http://schemas.openxmlformats.org/markup-compatibility/2006">
-    <mc:Choice xmlns:p14="http://schemas.microsoft.com/office/powerpoint/2010/main" Requires="p14">
+  <mc:AlternateContent xmlns:mc="http://schemas.openxmlformats.org/markup-compatibility/2006" xmlns:p14="http://schemas.microsoft.com/office/powerpoint/2010/main">
+    <mc:Choice Requires="p14">
       <p:transition>
         <p14:reveal/>
       </p:transition>
     </mc:Choice>
-    <mc:Fallback>
+    <mc:Fallback xmlns="">
       <p:transition>
         <p:fade/>
       </p:transition>
@@ -11670,7 +11962,7 @@
         </p:nvSpPr>
         <p:spPr>
           <a:xfrm>
-            <a:off x="142843" y="1245940"/>
+            <a:off x="142843" y="1173932"/>
             <a:ext cx="9001157" cy="5612060"/>
           </a:xfrm>
         </p:spPr>
@@ -11851,14 +12143,7 @@
                 <a:latin typeface="Calibri" panose="020F0502020204030204" pitchFamily="34" charset="0"/>
                 <a:cs typeface="Calibri" panose="020F0502020204030204" pitchFamily="34" charset="0"/>
               </a:rPr>
-              <a:t>objedinjuje bitne karakteristike promatranih </a:t>
-            </a:r>
-            <a:r>
-              <a:rPr lang="hr-HR" u="sng" dirty="0" smtClean="0">
-                <a:latin typeface="Calibri" panose="020F0502020204030204" pitchFamily="34" charset="0"/>
-                <a:cs typeface="Calibri" panose="020F0502020204030204" pitchFamily="34" charset="0"/>
-              </a:rPr>
-              <a:t>pojava</a:t>
+              <a:t>objedinjuje bitne karakteristike promatranih pojava</a:t>
             </a:r>
             <a:br>
               <a:rPr lang="hr-HR" u="sng" dirty="0" smtClean="0">
@@ -11871,14 +12156,7 @@
                 <a:latin typeface="Calibri" panose="020F0502020204030204" pitchFamily="34" charset="0"/>
                 <a:cs typeface="Calibri" panose="020F0502020204030204" pitchFamily="34" charset="0"/>
               </a:rPr>
-              <a:t>(naglašava </a:t>
-            </a:r>
-            <a:r>
-              <a:rPr lang="hr-HR" sz="2400" i="1" dirty="0" smtClean="0">
-                <a:latin typeface="Calibri" panose="020F0502020204030204" pitchFamily="34" charset="0"/>
-                <a:cs typeface="Calibri" panose="020F0502020204030204" pitchFamily="34" charset="0"/>
-              </a:rPr>
-              <a:t>sličnosti a zanemaruje posebnosti i nevažne razlike)</a:t>
+              <a:t>(naglašava sličnosti a zanemaruje posebnosti i nevažne razlike)</a:t>
             </a:r>
           </a:p>
           <a:p>
@@ -12014,10 +12292,10 @@
         </p:nvGrpSpPr>
         <p:grpSpPr bwMode="auto">
           <a:xfrm>
-            <a:off x="357188" y="332656"/>
-            <a:ext cx="8429625" cy="1066800"/>
-            <a:chOff x="357158" y="571480"/>
-            <a:chExt cx="8429684" cy="1066800"/>
+            <a:off x="251520" y="260648"/>
+            <a:ext cx="8535293" cy="1066800"/>
+            <a:chOff x="251489" y="571480"/>
+            <a:chExt cx="8535353" cy="1066800"/>
           </a:xfrm>
         </p:grpSpPr>
         <p:cxnSp>
@@ -12060,8 +12338,8 @@
           </p:nvSpPr>
           <p:spPr>
             <a:xfrm>
-              <a:off x="457200" y="571480"/>
-              <a:ext cx="8229600" cy="1066800"/>
+              <a:off x="251489" y="571480"/>
+              <a:ext cx="8435310" cy="1066800"/>
             </a:xfrm>
             <a:prstGeom prst="rect">
               <a:avLst/>
@@ -12117,7 +12395,7 @@
         </p:nvSpPr>
         <p:spPr>
           <a:xfrm>
-            <a:off x="59531" y="1778965"/>
+            <a:off x="59531" y="1706957"/>
             <a:ext cx="8858312" cy="2539924"/>
           </a:xfrm>
           <a:prstGeom prst="rect">
@@ -12162,20 +12440,20 @@
     </p:spTree>
     <p:extLst>
       <p:ext uri="{BB962C8B-B14F-4D97-AF65-F5344CB8AC3E}">
-        <p14:creationId xmlns:p14="http://schemas.microsoft.com/office/powerpoint/2010/main" val="1865818753"/>
+        <p14:creationId xmlns:p14="http://schemas.microsoft.com/office/powerpoint/2010/main" val="2902733883"/>
       </p:ext>
     </p:extLst>
   </p:cSld>
   <p:clrMapOvr>
     <a:masterClrMapping/>
   </p:clrMapOvr>
-  <mc:AlternateContent xmlns:mc="http://schemas.openxmlformats.org/markup-compatibility/2006">
-    <mc:Choice xmlns:p14="http://schemas.microsoft.com/office/powerpoint/2010/main" Requires="p14">
+  <mc:AlternateContent xmlns:mc="http://schemas.openxmlformats.org/markup-compatibility/2006" xmlns:p14="http://schemas.microsoft.com/office/powerpoint/2010/main">
+    <mc:Choice Requires="p14">
       <p:transition>
         <p14:reveal/>
       </p:transition>
     </mc:Choice>
-    <mc:Fallback>
+    <mc:Fallback xmlns="">
       <p:transition>
         <p:fade/>
       </p:transition>
@@ -12821,10 +13099,10 @@
         </p:nvGrpSpPr>
         <p:grpSpPr bwMode="auto">
           <a:xfrm>
-            <a:off x="357188" y="571500"/>
-            <a:ext cx="8429625" cy="1066800"/>
-            <a:chOff x="357158" y="571480"/>
-            <a:chExt cx="8429684" cy="1066800"/>
+            <a:off x="251519" y="476672"/>
+            <a:ext cx="8535293" cy="1066800"/>
+            <a:chOff x="251489" y="571480"/>
+            <a:chExt cx="8535353" cy="1066800"/>
           </a:xfrm>
         </p:grpSpPr>
         <p:cxnSp>
@@ -12867,7 +13145,7 @@
           </p:nvSpPr>
           <p:spPr>
             <a:xfrm>
-              <a:off x="457200" y="571480"/>
+              <a:off x="251489" y="571480"/>
               <a:ext cx="8229600" cy="1066800"/>
             </a:xfrm>
             <a:prstGeom prst="rect">
@@ -12928,7 +13206,7 @@
         </p:nvSpPr>
         <p:spPr>
           <a:xfrm>
-            <a:off x="142875" y="1643063"/>
+            <a:off x="142875" y="1548235"/>
             <a:ext cx="8786844" cy="4930775"/>
           </a:xfrm>
         </p:spPr>
@@ -12952,9 +13230,13 @@
               <a:t>polazi od pretpostavke da </a:t>
             </a:r>
             <a:r>
-              <a:rPr lang="hr-HR" u="sng" dirty="0" smtClean="0">
-                <a:latin typeface="Calibri" panose="020F0502020204030204" pitchFamily="34" charset="0"/>
-                <a:cs typeface="Calibri" panose="020F0502020204030204" pitchFamily="34" charset="0"/>
+              <a:rPr lang="hr-HR" dirty="0">
+                <a:highlight>
+                  <a:srgbClr val="FFFF00"/>
+                </a:highlight>
+                <a:latin typeface="Calibri"/>
+                <a:ea typeface="Calibri"/>
+                <a:cs typeface="Times New Roman"/>
               </a:rPr>
               <a:t>ljudsko djelovanje mora imati smisao</a:t>
             </a:r>
@@ -13004,21 +13286,7 @@
                 <a:latin typeface="Calibri" panose="020F0502020204030204" pitchFamily="34" charset="0"/>
                 <a:cs typeface="Calibri" panose="020F0502020204030204" pitchFamily="34" charset="0"/>
               </a:rPr>
-              <a:t>u obzir uzima ponašanje drugih i </a:t>
-            </a:r>
-            <a:r>
-              <a:rPr lang="hr-HR" u="sng" dirty="0" err="1" smtClean="0">
-                <a:latin typeface="Calibri" panose="020F0502020204030204" pitchFamily="34" charset="0"/>
-                <a:cs typeface="Calibri" panose="020F0502020204030204" pitchFamily="34" charset="0"/>
-              </a:rPr>
-              <a:t>orjentira</a:t>
-            </a:r>
-            <a:r>
-              <a:rPr lang="hr-HR" u="sng" dirty="0" smtClean="0">
-                <a:latin typeface="Calibri" panose="020F0502020204030204" pitchFamily="34" charset="0"/>
-                <a:cs typeface="Calibri" panose="020F0502020204030204" pitchFamily="34" charset="0"/>
-              </a:rPr>
-              <a:t> se prema njemu</a:t>
+              <a:t>u obzir uzima ponašanje drugih i orijentira se prema njemu</a:t>
             </a:r>
           </a:p>
           <a:p>
@@ -13046,13 +13314,19 @@
             </a:r>
             <a:r>
               <a:rPr lang="hr-HR" b="1" u="sng" dirty="0" smtClean="0">
+                <a:solidFill>
+                  <a:srgbClr val="FF0000"/>
+                </a:solidFill>
                 <a:latin typeface="Calibri" panose="020F0502020204030204" pitchFamily="34" charset="0"/>
                 <a:cs typeface="Calibri" panose="020F0502020204030204" pitchFamily="34" charset="0"/>
               </a:rPr>
               <a:t>smislom</a:t>
             </a:r>
             <a:r>
-              <a:rPr lang="hr-HR" u="sng" dirty="0" smtClean="0">
+              <a:rPr lang="hr-HR" dirty="0" smtClean="0">
+                <a:solidFill>
+                  <a:srgbClr val="FF0000"/>
+                </a:solidFill>
                 <a:latin typeface="Calibri" panose="020F0502020204030204" pitchFamily="34" charset="0"/>
                 <a:cs typeface="Calibri" panose="020F0502020204030204" pitchFamily="34" charset="0"/>
               </a:rPr>
@@ -13126,7 +13400,7 @@
         </p:nvSpPr>
         <p:spPr>
           <a:xfrm>
-            <a:off x="67129" y="2643182"/>
+            <a:off x="67129" y="2548354"/>
             <a:ext cx="8890616" cy="1577906"/>
           </a:xfrm>
           <a:prstGeom prst="rect">
@@ -13171,20 +13445,20 @@
     </p:spTree>
     <p:extLst>
       <p:ext uri="{BB962C8B-B14F-4D97-AF65-F5344CB8AC3E}">
-        <p14:creationId xmlns:p14="http://schemas.microsoft.com/office/powerpoint/2010/main" val="3457536086"/>
+        <p14:creationId xmlns:p14="http://schemas.microsoft.com/office/powerpoint/2010/main" val="3531665017"/>
       </p:ext>
     </p:extLst>
   </p:cSld>
   <p:clrMapOvr>
     <a:masterClrMapping/>
   </p:clrMapOvr>
-  <mc:AlternateContent xmlns:mc="http://schemas.openxmlformats.org/markup-compatibility/2006">
-    <mc:Choice xmlns:p14="http://schemas.microsoft.com/office/powerpoint/2010/main" Requires="p14">
+  <mc:AlternateContent xmlns:mc="http://schemas.openxmlformats.org/markup-compatibility/2006" xmlns:p14="http://schemas.microsoft.com/office/powerpoint/2010/main">
+    <mc:Choice Requires="p14">
       <p:transition>
         <p14:reveal/>
       </p:transition>
     </mc:Choice>
-    <mc:Fallback>
+    <mc:Fallback xmlns="">
       <p:transition>
         <p:fade/>
       </p:transition>
@@ -13775,6 +14049,9 @@
             </a:r>
             <a:r>
               <a:rPr lang="vi-VN" sz="2600" b="1" dirty="0" smtClean="0">
+                <a:solidFill>
+                  <a:srgbClr val="FF0000"/>
+                </a:solidFill>
                 <a:latin typeface="Calibri" panose="020F0502020204030204" pitchFamily="34" charset="0"/>
                 <a:cs typeface="Calibri" panose="020F0502020204030204" pitchFamily="34" charset="0"/>
               </a:rPr>
@@ -13782,6 +14059,9 @@
             </a:r>
             <a:r>
               <a:rPr lang="vi-VN" sz="2600" dirty="0" smtClean="0">
+                <a:solidFill>
+                  <a:srgbClr val="FF0000"/>
+                </a:solidFill>
                 <a:latin typeface="Calibri" panose="020F0502020204030204" pitchFamily="34" charset="0"/>
                 <a:cs typeface="Calibri" panose="020F0502020204030204" pitchFamily="34" charset="0"/>
               </a:rPr>
@@ -13789,6 +14069,9 @@
             </a:r>
             <a:r>
               <a:rPr lang="vi-VN" sz="2600" b="1" dirty="0" smtClean="0">
+                <a:solidFill>
+                  <a:srgbClr val="FF0000"/>
+                </a:solidFill>
                 <a:latin typeface="Calibri" panose="020F0502020204030204" pitchFamily="34" charset="0"/>
                 <a:cs typeface="Calibri" panose="020F0502020204030204" pitchFamily="34" charset="0"/>
               </a:rPr>
@@ -13796,19 +14079,35 @@
             </a:r>
             <a:r>
               <a:rPr lang="vi-VN" sz="2600" dirty="0" smtClean="0">
-                <a:latin typeface="Calibri" panose="020F0502020204030204" pitchFamily="34" charset="0"/>
-                <a:cs typeface="Calibri" panose="020F0502020204030204" pitchFamily="34" charset="0"/>
-              </a:rPr>
-              <a:t> (računanju) i </a:t>
+                <a:solidFill>
+                  <a:srgbClr val="FF0000"/>
+                </a:solidFill>
+                <a:latin typeface="Calibri" panose="020F0502020204030204" pitchFamily="34" charset="0"/>
+                <a:cs typeface="Calibri" panose="020F0502020204030204" pitchFamily="34" charset="0"/>
+              </a:rPr>
+              <a:t> </a:t>
+            </a:r>
+            <a:r>
+              <a:rPr lang="vi-VN" sz="2600" dirty="0" smtClean="0">
+                <a:latin typeface="Calibri" panose="020F0502020204030204" pitchFamily="34" charset="0"/>
+                <a:cs typeface="Calibri" panose="020F0502020204030204" pitchFamily="34" charset="0"/>
+              </a:rPr>
+              <a:t>(računanju) i </a:t>
             </a:r>
             <a:r>
               <a:rPr lang="vi-VN" sz="2600" b="1" dirty="0" smtClean="0">
+                <a:solidFill>
+                  <a:srgbClr val="FF0000"/>
+                </a:solidFill>
                 <a:latin typeface="Calibri" panose="020F0502020204030204" pitchFamily="34" charset="0"/>
                 <a:cs typeface="Calibri" panose="020F0502020204030204" pitchFamily="34" charset="0"/>
               </a:rPr>
               <a:t>predviđanju</a:t>
             </a:r>
             <a:endParaRPr lang="hr-HR" sz="2600" b="1" dirty="0" smtClean="0">
+              <a:solidFill>
+                <a:srgbClr val="FF0000"/>
+              </a:solidFill>
               <a:latin typeface="Calibri" panose="020F0502020204030204" pitchFamily="34" charset="0"/>
               <a:cs typeface="Calibri" panose="020F0502020204030204" pitchFamily="34" charset="0"/>
             </a:endParaRPr>
@@ -14222,20 +14521,20 @@
     </p:spTree>
     <p:extLst>
       <p:ext uri="{BB962C8B-B14F-4D97-AF65-F5344CB8AC3E}">
-        <p14:creationId xmlns:p14="http://schemas.microsoft.com/office/powerpoint/2010/main" val="1048394430"/>
+        <p14:creationId xmlns:p14="http://schemas.microsoft.com/office/powerpoint/2010/main" val="2247998228"/>
       </p:ext>
     </p:extLst>
   </p:cSld>
   <p:clrMapOvr>
     <a:masterClrMapping/>
   </p:clrMapOvr>
-  <mc:AlternateContent xmlns:mc="http://schemas.openxmlformats.org/markup-compatibility/2006">
-    <mc:Choice xmlns:p14="http://schemas.microsoft.com/office/powerpoint/2010/main" Requires="p14">
+  <mc:AlternateContent xmlns:mc="http://schemas.openxmlformats.org/markup-compatibility/2006" xmlns:p14="http://schemas.microsoft.com/office/powerpoint/2010/main">
+    <mc:Choice Requires="p14">
       <p:transition>
         <p14:reveal/>
       </p:transition>
     </mc:Choice>
-    <mc:Fallback>
+    <mc:Fallback xmlns="">
       <p:transition>
         <p:fade/>
       </p:transition>
@@ -14854,13 +15153,7 @@
           <a:ln>
             <a:noFill/>
           </a:ln>
-          <a:effectLst>
-            <a:outerShdw blurRad="190500" algn="tl" rotWithShape="0">
-              <a:srgbClr val="000000">
-                <a:alpha val="70000"/>
-              </a:srgbClr>
-            </a:outerShdw>
-          </a:effectLst>
+          <a:effectLst/>
         </p:spPr>
       </p:pic>
       <p:pic>
@@ -14889,13 +15182,7 @@
           <a:ln>
             <a:noFill/>
           </a:ln>
-          <a:effectLst>
-            <a:outerShdw blurRad="190500" algn="tl" rotWithShape="0">
-              <a:srgbClr val="000000">
-                <a:alpha val="70000"/>
-              </a:srgbClr>
-            </a:outerShdw>
-          </a:effectLst>
+          <a:effectLst/>
         </p:spPr>
       </p:pic>
       <p:pic>
@@ -14923,13 +15210,7 @@
           <a:ln>
             <a:noFill/>
           </a:ln>
-          <a:effectLst>
-            <a:outerShdw blurRad="190500" algn="tl" rotWithShape="0">
-              <a:srgbClr val="000000">
-                <a:alpha val="70000"/>
-              </a:srgbClr>
-            </a:outerShdw>
-          </a:effectLst>
+          <a:effectLst/>
         </p:spPr>
       </p:pic>
       <p:pic>
@@ -14957,66 +15238,26 @@
           <a:ln>
             <a:noFill/>
           </a:ln>
-          <a:effectLst>
-            <a:outerShdw blurRad="190500" algn="tl" rotWithShape="0">
-              <a:srgbClr val="000000">
-                <a:alpha val="70000"/>
-              </a:srgbClr>
-            </a:outerShdw>
-          </a:effectLst>
-        </p:spPr>
-      </p:pic>
-      <p:pic>
-        <p:nvPicPr>
-          <p:cNvPr id="6" name="Picture 5" descr="boban.jpg"/>
-          <p:cNvPicPr>
-            <a:picLocks noChangeAspect="1"/>
-          </p:cNvPicPr>
-          <p:nvPr/>
-        </p:nvPicPr>
-        <p:blipFill>
-          <a:blip r:embed="rId6"/>
-          <a:stretch>
-            <a:fillRect/>
-          </a:stretch>
-        </p:blipFill>
-        <p:spPr>
-          <a:xfrm>
-            <a:off x="1857375" y="285750"/>
-            <a:ext cx="5286375" cy="6461125"/>
-          </a:xfrm>
-          <a:prstGeom prst="rect">
-            <a:avLst/>
-          </a:prstGeom>
-          <a:ln>
-            <a:noFill/>
-          </a:ln>
-          <a:effectLst>
-            <a:outerShdw blurRad="190500" algn="tl" rotWithShape="0">
-              <a:srgbClr val="000000">
-                <a:alpha val="70000"/>
-              </a:srgbClr>
-            </a:outerShdw>
-          </a:effectLst>
+          <a:effectLst/>
         </p:spPr>
       </p:pic>
     </p:spTree>
     <p:extLst>
       <p:ext uri="{BB962C8B-B14F-4D97-AF65-F5344CB8AC3E}">
-        <p14:creationId xmlns:p14="http://schemas.microsoft.com/office/powerpoint/2010/main" val="2682065029"/>
+        <p14:creationId xmlns:p14="http://schemas.microsoft.com/office/powerpoint/2010/main" val="1465212779"/>
       </p:ext>
     </p:extLst>
   </p:cSld>
   <p:clrMapOvr>
     <a:masterClrMapping/>
   </p:clrMapOvr>
-  <mc:AlternateContent xmlns:mc="http://schemas.openxmlformats.org/markup-compatibility/2006">
-    <mc:Choice xmlns:p14="http://schemas.microsoft.com/office/powerpoint/2010/main" Requires="p14">
+  <mc:AlternateContent xmlns:mc="http://schemas.openxmlformats.org/markup-compatibility/2006" xmlns:p14="http://schemas.microsoft.com/office/powerpoint/2010/main">
+    <mc:Choice Requires="p14">
       <p:transition>
         <p14:reveal/>
       </p:transition>
     </mc:Choice>
-    <mc:Fallback>
+    <mc:Fallback xmlns="">
       <p:transition>
         <p:fade/>
       </p:transition>
@@ -15245,59 +15486,6 @@
                       </p:childTnLst>
                     </p:cTn>
                   </p:par>
-                  <p:par>
-                    <p:cTn id="23" fill="hold">
-                      <p:stCondLst>
-                        <p:cond delay="indefinite"/>
-                      </p:stCondLst>
-                      <p:childTnLst>
-                        <p:par>
-                          <p:cTn id="24" fill="hold">
-                            <p:stCondLst>
-                              <p:cond delay="0"/>
-                            </p:stCondLst>
-                            <p:childTnLst>
-                              <p:par>
-                                <p:cTn id="25" presetID="10" presetClass="entr" presetSubtype="0" fill="hold" nodeType="clickEffect">
-                                  <p:stCondLst>
-                                    <p:cond delay="0"/>
-                                  </p:stCondLst>
-                                  <p:childTnLst>
-                                    <p:set>
-                                      <p:cBhvr>
-                                        <p:cTn id="26" dur="1" fill="hold">
-                                          <p:stCondLst>
-                                            <p:cond delay="0"/>
-                                          </p:stCondLst>
-                                        </p:cTn>
-                                        <p:tgtEl>
-                                          <p:spTgt spid="6"/>
-                                        </p:tgtEl>
-                                        <p:attrNameLst>
-                                          <p:attrName>style.visibility</p:attrName>
-                                        </p:attrNameLst>
-                                      </p:cBhvr>
-                                      <p:to>
-                                        <p:strVal val="visible"/>
-                                      </p:to>
-                                    </p:set>
-                                    <p:animEffect transition="in" filter="fade">
-                                      <p:cBhvr>
-                                        <p:cTn id="27" dur="250"/>
-                                        <p:tgtEl>
-                                          <p:spTgt spid="6"/>
-                                        </p:tgtEl>
-                                      </p:cBhvr>
-                                    </p:animEffect>
-                                  </p:childTnLst>
-                                </p:cTn>
-                              </p:par>
-                            </p:childTnLst>
-                          </p:cTn>
-                        </p:par>
-                      </p:childTnLst>
-                    </p:cTn>
-                  </p:par>
                 </p:childTnLst>
               </p:cTn>
               <p:prevCondLst>
@@ -15340,244 +15528,373 @@
           <a:chExt cx="0" cy="0"/>
         </a:xfrm>
       </p:grpSpPr>
-      <p:sp>
-        <p:nvSpPr>
-          <p:cNvPr id="14338" name="Title 1"/>
-          <p:cNvSpPr>
-            <a:spLocks noGrp="1"/>
-          </p:cNvSpPr>
-          <p:nvPr>
-            <p:ph type="title"/>
-          </p:nvPr>
-        </p:nvSpPr>
-        <p:spPr/>
-        <p:txBody>
-          <a:bodyPr/>
-          <a:lstStyle/>
-          <a:p>
-            <a:endParaRPr lang="hr-HR" smtClean="0"/>
-          </a:p>
-        </p:txBody>
-      </p:sp>
-      <p:pic>
-        <p:nvPicPr>
-          <p:cNvPr id="4" name="Picture 3" descr="micronesianmap.jpg"/>
-          <p:cNvPicPr>
-            <a:picLocks noChangeAspect="1"/>
-          </p:cNvPicPr>
+      <p:grpSp>
+        <p:nvGrpSpPr>
+          <p:cNvPr id="16" name="Group 15"/>
+          <p:cNvGrpSpPr/>
           <p:nvPr/>
-        </p:nvPicPr>
-        <p:blipFill>
-          <a:blip r:embed="rId2"/>
-          <a:stretch>
-            <a:fillRect/>
-          </a:stretch>
-        </p:blipFill>
-        <p:spPr>
+        </p:nvGrpSpPr>
+        <p:grpSpPr>
           <a:xfrm>
-            <a:off x="214313" y="357188"/>
-            <a:ext cx="3571875" cy="6261100"/>
+            <a:off x="45802" y="116631"/>
+            <a:ext cx="4670213" cy="3064987"/>
+            <a:chOff x="45802" y="116631"/>
+            <a:chExt cx="4670213" cy="3064987"/>
           </a:xfrm>
-          <a:prstGeom prst="rect">
-            <a:avLst/>
-          </a:prstGeom>
-          <a:ln>
-            <a:noFill/>
-          </a:ln>
-          <a:effectLst>
-            <a:outerShdw blurRad="190500" algn="tl" rotWithShape="0">
-              <a:srgbClr val="000000">
-                <a:alpha val="70000"/>
-              </a:srgbClr>
-            </a:outerShdw>
-          </a:effectLst>
-        </p:spPr>
-      </p:pic>
-      <p:pic>
-        <p:nvPicPr>
-          <p:cNvPr id="10" name="Picture 9" descr="topo.jpg"/>
-          <p:cNvPicPr>
-            <a:picLocks noChangeAspect="1"/>
-          </p:cNvPicPr>
+        </p:grpSpPr>
+        <p:pic>
+          <p:nvPicPr>
+            <p:cNvPr id="4" name="Picture 3" descr="micronesianmap.jpg"/>
+            <p:cNvPicPr>
+              <a:picLocks noChangeAspect="1"/>
+            </p:cNvPicPr>
+            <p:nvPr/>
+          </p:nvPicPr>
+          <p:blipFill>
+            <a:blip r:embed="rId2"/>
+            <a:stretch>
+              <a:fillRect/>
+            </a:stretch>
+          </p:blipFill>
+          <p:spPr>
+            <a:xfrm rot="16200000">
+              <a:off x="1048761" y="-886328"/>
+              <a:ext cx="2664296" cy="4670213"/>
+            </a:xfrm>
+            <a:prstGeom prst="rect">
+              <a:avLst/>
+            </a:prstGeom>
+            <a:ln>
+              <a:noFill/>
+            </a:ln>
+            <a:effectLst>
+              <a:outerShdw blurRad="50800" dist="38100" dir="2700000" algn="tl" rotWithShape="0">
+                <a:prstClr val="black">
+                  <a:alpha val="40000"/>
+                </a:prstClr>
+              </a:outerShdw>
+            </a:effectLst>
+          </p:spPr>
+        </p:pic>
+        <p:sp>
+          <p:nvSpPr>
+            <p:cNvPr id="3" name="TextBox 2"/>
+            <p:cNvSpPr txBox="1"/>
+            <p:nvPr/>
+          </p:nvSpPr>
+          <p:spPr>
+            <a:xfrm>
+              <a:off x="81492" y="2812286"/>
+              <a:ext cx="676532" cy="369332"/>
+            </a:xfrm>
+            <a:prstGeom prst="rect">
+              <a:avLst/>
+            </a:prstGeom>
+            <a:solidFill>
+              <a:schemeClr val="bg1"/>
+            </a:solidFill>
+          </p:spPr>
+          <p:txBody>
+            <a:bodyPr wrap="none" rtlCol="0">
+              <a:spAutoFit/>
+            </a:bodyPr>
+            <a:lstStyle/>
+            <a:p>
+              <a:r>
+                <a:rPr lang="hr-HR" dirty="0" smtClean="0">
+                  <a:latin typeface="Calibri" panose="020F0502020204030204" pitchFamily="34" charset="0"/>
+                  <a:cs typeface="Calibri" panose="020F0502020204030204" pitchFamily="34" charset="0"/>
+                </a:rPr>
+                <a:t>Karta</a:t>
+              </a:r>
+              <a:endParaRPr lang="hr-HR" dirty="0">
+                <a:latin typeface="Calibri" panose="020F0502020204030204" pitchFamily="34" charset="0"/>
+                <a:cs typeface="Calibri" panose="020F0502020204030204" pitchFamily="34" charset="0"/>
+              </a:endParaRPr>
+            </a:p>
+          </p:txBody>
+        </p:sp>
+      </p:grpSp>
+      <p:grpSp>
+        <p:nvGrpSpPr>
+          <p:cNvPr id="5" name="Group 4"/>
+          <p:cNvGrpSpPr/>
           <p:nvPr/>
-        </p:nvPicPr>
-        <p:blipFill>
-          <a:blip r:embed="rId3" cstate="email"/>
-          <a:srcRect/>
-          <a:stretch>
-            <a:fillRect/>
-          </a:stretch>
-        </p:blipFill>
-        <p:spPr>
+        </p:nvGrpSpPr>
+        <p:grpSpPr>
           <a:xfrm>
-            <a:off x="2714625" y="785813"/>
-            <a:ext cx="6143625" cy="5829300"/>
+            <a:off x="4788024" y="44624"/>
+            <a:ext cx="4214242" cy="3998630"/>
+            <a:chOff x="4788024" y="44624"/>
+            <a:chExt cx="4214242" cy="3998630"/>
           </a:xfrm>
-          <a:prstGeom prst="rect">
-            <a:avLst/>
-          </a:prstGeom>
-          <a:ln>
-            <a:noFill/>
-          </a:ln>
-          <a:effectLst>
-            <a:outerShdw blurRad="190500" algn="tl" rotWithShape="0">
-              <a:srgbClr val="000000">
-                <a:alpha val="70000"/>
-              </a:srgbClr>
-            </a:outerShdw>
-          </a:effectLst>
-        </p:spPr>
-      </p:pic>
-      <p:pic>
-        <p:nvPicPr>
-          <p:cNvPr id="6" name="Content Placeholder 5" descr="Azteci.jpg"/>
-          <p:cNvPicPr>
-            <a:picLocks noGrp="1" noChangeAspect="1"/>
-          </p:cNvPicPr>
-          <p:nvPr>
-            <p:ph idx="1"/>
-          </p:nvPr>
-        </p:nvPicPr>
-        <p:blipFill>
-          <a:blip r:embed="rId4" cstate="email"/>
-          <a:stretch>
-            <a:fillRect/>
-          </a:stretch>
-        </p:blipFill>
-        <p:spPr>
+        </p:grpSpPr>
+        <p:pic>
+          <p:nvPicPr>
+            <p:cNvPr id="10" name="Picture 9" descr="topo.jpg"/>
+            <p:cNvPicPr>
+              <a:picLocks noChangeAspect="1"/>
+            </p:cNvPicPr>
+            <p:nvPr/>
+          </p:nvPicPr>
+          <p:blipFill>
+            <a:blip r:embed="rId3" cstate="email"/>
+            <a:srcRect/>
+            <a:stretch>
+              <a:fillRect/>
+            </a:stretch>
+          </p:blipFill>
+          <p:spPr>
+            <a:xfrm>
+              <a:off x="4788024" y="44624"/>
+              <a:ext cx="4214242" cy="3998630"/>
+            </a:xfrm>
+            <a:prstGeom prst="rect">
+              <a:avLst/>
+            </a:prstGeom>
+            <a:ln>
+              <a:noFill/>
+            </a:ln>
+            <a:effectLst>
+              <a:outerShdw blurRad="50800" dist="38100" dir="2700000" algn="tl" rotWithShape="0">
+                <a:prstClr val="black">
+                  <a:alpha val="40000"/>
+                </a:prstClr>
+              </a:outerShdw>
+            </a:effectLst>
+          </p:spPr>
+        </p:pic>
+        <p:sp>
+          <p:nvSpPr>
+            <p:cNvPr id="13" name="TextBox 12"/>
+            <p:cNvSpPr txBox="1"/>
+            <p:nvPr/>
+          </p:nvSpPr>
+          <p:spPr>
+            <a:xfrm>
+              <a:off x="4788024" y="3673922"/>
+              <a:ext cx="676532" cy="369332"/>
+            </a:xfrm>
+            <a:prstGeom prst="rect">
+              <a:avLst/>
+            </a:prstGeom>
+            <a:solidFill>
+              <a:schemeClr val="bg1"/>
+            </a:solidFill>
+          </p:spPr>
+          <p:txBody>
+            <a:bodyPr wrap="none" rtlCol="0">
+              <a:spAutoFit/>
+            </a:bodyPr>
+            <a:lstStyle/>
+            <a:p>
+              <a:r>
+                <a:rPr lang="hr-HR" dirty="0" smtClean="0">
+                  <a:latin typeface="Calibri" panose="020F0502020204030204" pitchFamily="34" charset="0"/>
+                  <a:cs typeface="Calibri" panose="020F0502020204030204" pitchFamily="34" charset="0"/>
+                </a:rPr>
+                <a:t>Karta</a:t>
+              </a:r>
+              <a:endParaRPr lang="hr-HR" dirty="0">
+                <a:latin typeface="Calibri" panose="020F0502020204030204" pitchFamily="34" charset="0"/>
+                <a:cs typeface="Calibri" panose="020F0502020204030204" pitchFamily="34" charset="0"/>
+              </a:endParaRPr>
+            </a:p>
+          </p:txBody>
+        </p:sp>
+      </p:grpSp>
+      <p:grpSp>
+        <p:nvGrpSpPr>
+          <p:cNvPr id="17" name="Group 16"/>
+          <p:cNvGrpSpPr/>
+          <p:nvPr/>
+        </p:nvGrpSpPr>
+        <p:grpSpPr>
           <a:xfrm>
-            <a:off x="214313" y="1285875"/>
-            <a:ext cx="4265612" cy="4497388"/>
+            <a:off x="260344" y="3429000"/>
+            <a:ext cx="4167640" cy="3155997"/>
+            <a:chOff x="371841" y="3573016"/>
+            <a:chExt cx="4167640" cy="3155997"/>
           </a:xfrm>
-          <a:effectLst>
-            <a:outerShdw blurRad="190500" algn="tl" rotWithShape="0">
-              <a:srgbClr val="000000">
-                <a:alpha val="70000"/>
-              </a:srgbClr>
-            </a:outerShdw>
-          </a:effectLst>
-        </p:spPr>
-      </p:pic>
-      <p:pic>
-        <p:nvPicPr>
-          <p:cNvPr id="7" name="Picture 6" descr="pricest.jpg"/>
-          <p:cNvPicPr>
-            <a:picLocks noChangeAspect="1"/>
-          </p:cNvPicPr>
+        </p:grpSpPr>
+        <p:pic>
+          <p:nvPicPr>
+            <p:cNvPr id="12" name="Picture 11" descr="aboriginal_music_photo.jpg"/>
+            <p:cNvPicPr>
+              <a:picLocks noChangeAspect="1"/>
+            </p:cNvPicPr>
+            <p:nvPr/>
+          </p:nvPicPr>
+          <p:blipFill>
+            <a:blip r:embed="rId4"/>
+            <a:stretch>
+              <a:fillRect/>
+            </a:stretch>
+          </p:blipFill>
+          <p:spPr>
+            <a:xfrm>
+              <a:off x="395536" y="3573016"/>
+              <a:ext cx="4143945" cy="3113243"/>
+            </a:xfrm>
+            <a:prstGeom prst="rect">
+              <a:avLst/>
+            </a:prstGeom>
+            <a:ln>
+              <a:noFill/>
+            </a:ln>
+            <a:effectLst>
+              <a:outerShdw blurRad="50800" dist="38100" dir="2700000" algn="tl" rotWithShape="0">
+                <a:prstClr val="black">
+                  <a:alpha val="40000"/>
+                </a:prstClr>
+              </a:outerShdw>
+            </a:effectLst>
+          </p:spPr>
+        </p:pic>
+        <p:sp>
+          <p:nvSpPr>
+            <p:cNvPr id="14" name="TextBox 13"/>
+            <p:cNvSpPr txBox="1"/>
+            <p:nvPr/>
+          </p:nvSpPr>
+          <p:spPr>
+            <a:xfrm>
+              <a:off x="371841" y="6359681"/>
+              <a:ext cx="780983" cy="369332"/>
+            </a:xfrm>
+            <a:prstGeom prst="rect">
+              <a:avLst/>
+            </a:prstGeom>
+            <a:solidFill>
+              <a:schemeClr val="bg1"/>
+            </a:solidFill>
+          </p:spPr>
+          <p:txBody>
+            <a:bodyPr wrap="none" rtlCol="0">
+              <a:spAutoFit/>
+            </a:bodyPr>
+            <a:lstStyle/>
+            <a:p>
+              <a:r>
+                <a:rPr lang="hr-HR" dirty="0" smtClean="0">
+                  <a:latin typeface="Calibri" panose="020F0502020204030204" pitchFamily="34" charset="0"/>
+                  <a:cs typeface="Calibri" panose="020F0502020204030204" pitchFamily="34" charset="0"/>
+                </a:rPr>
+                <a:t>glazba</a:t>
+              </a:r>
+              <a:endParaRPr lang="hr-HR" dirty="0">
+                <a:latin typeface="Calibri" panose="020F0502020204030204" pitchFamily="34" charset="0"/>
+                <a:cs typeface="Calibri" panose="020F0502020204030204" pitchFamily="34" charset="0"/>
+              </a:endParaRPr>
+            </a:p>
+          </p:txBody>
+        </p:sp>
+      </p:grpSp>
+      <p:grpSp>
+        <p:nvGrpSpPr>
+          <p:cNvPr id="18" name="Group 17"/>
+          <p:cNvGrpSpPr/>
           <p:nvPr/>
-        </p:nvPicPr>
-        <p:blipFill>
-          <a:blip r:embed="rId5"/>
-          <a:stretch>
-            <a:fillRect/>
-          </a:stretch>
-        </p:blipFill>
-        <p:spPr>
+        </p:nvGrpSpPr>
+        <p:grpSpPr>
           <a:xfrm>
-            <a:off x="3500438" y="285750"/>
-            <a:ext cx="5461000" cy="4095750"/>
+            <a:off x="4788024" y="4109605"/>
+            <a:ext cx="4220069" cy="2688395"/>
+            <a:chOff x="4788024" y="4109605"/>
+            <a:chExt cx="4220069" cy="2688395"/>
           </a:xfrm>
-          <a:prstGeom prst="rect">
-            <a:avLst/>
-          </a:prstGeom>
-          <a:ln>
-            <a:noFill/>
-          </a:ln>
-          <a:effectLst>
-            <a:outerShdw blurRad="190500" algn="tl" rotWithShape="0">
-              <a:srgbClr val="000000">
-                <a:alpha val="70000"/>
-              </a:srgbClr>
-            </a:outerShdw>
-          </a:effectLst>
-        </p:spPr>
-      </p:pic>
-      <p:pic>
-        <p:nvPicPr>
-          <p:cNvPr id="8" name="Picture 7" descr="aboriginal_music_photo.jpg"/>
-          <p:cNvPicPr>
-            <a:picLocks noChangeAspect="1"/>
-          </p:cNvPicPr>
-          <p:nvPr/>
-        </p:nvPicPr>
-        <p:blipFill>
-          <a:blip r:embed="rId6"/>
-          <a:stretch>
-            <a:fillRect/>
-          </a:stretch>
-        </p:blipFill>
-        <p:spPr>
-          <a:xfrm>
-            <a:off x="500063" y="2500313"/>
-            <a:ext cx="5291137" cy="3975100"/>
-          </a:xfrm>
-          <a:prstGeom prst="rect">
-            <a:avLst/>
-          </a:prstGeom>
-          <a:ln>
-            <a:noFill/>
-          </a:ln>
-          <a:effectLst>
-            <a:outerShdw blurRad="190500" algn="tl" rotWithShape="0">
-              <a:srgbClr val="000000">
-                <a:alpha val="70000"/>
-              </a:srgbClr>
-            </a:outerShdw>
-          </a:effectLst>
-        </p:spPr>
-      </p:pic>
-      <p:pic>
-        <p:nvPicPr>
-          <p:cNvPr id="9" name="Picture 8" descr="Simfonijski-orkestar-i-hor-RTS.jpg"/>
-          <p:cNvPicPr>
-            <a:picLocks noChangeAspect="1"/>
-          </p:cNvPicPr>
-          <p:nvPr/>
-        </p:nvPicPr>
-        <p:blipFill>
-          <a:blip r:embed="rId7"/>
-          <a:srcRect/>
-          <a:stretch>
-            <a:fillRect/>
-          </a:stretch>
-        </p:blipFill>
-        <p:spPr>
-          <a:xfrm>
-            <a:off x="1071563" y="954088"/>
-            <a:ext cx="7361237" cy="4689475"/>
-          </a:xfrm>
-          <a:prstGeom prst="rect">
-            <a:avLst/>
-          </a:prstGeom>
-          <a:ln>
-            <a:noFill/>
-          </a:ln>
-          <a:effectLst>
-            <a:outerShdw blurRad="190500" algn="tl" rotWithShape="0">
-              <a:srgbClr val="000000">
-                <a:alpha val="70000"/>
-              </a:srgbClr>
-            </a:outerShdw>
-          </a:effectLst>
-        </p:spPr>
-      </p:pic>
+        </p:grpSpPr>
+        <p:pic>
+          <p:nvPicPr>
+            <p:cNvPr id="11" name="Picture 10" descr="Simfonijski-orkestar-i-hor-RTS.jpg"/>
+            <p:cNvPicPr>
+              <a:picLocks noChangeAspect="1"/>
+            </p:cNvPicPr>
+            <p:nvPr/>
+          </p:nvPicPr>
+          <p:blipFill>
+            <a:blip r:embed="rId5"/>
+            <a:srcRect/>
+            <a:stretch>
+              <a:fillRect/>
+            </a:stretch>
+          </p:blipFill>
+          <p:spPr>
+            <a:xfrm>
+              <a:off x="4788024" y="4109605"/>
+              <a:ext cx="4220069" cy="2688395"/>
+            </a:xfrm>
+            <a:prstGeom prst="rect">
+              <a:avLst/>
+            </a:prstGeom>
+            <a:ln>
+              <a:noFill/>
+            </a:ln>
+            <a:effectLst>
+              <a:outerShdw blurRad="50800" dist="38100" dir="2700000" algn="tl" rotWithShape="0">
+                <a:prstClr val="black">
+                  <a:alpha val="40000"/>
+                </a:prstClr>
+              </a:outerShdw>
+            </a:effectLst>
+          </p:spPr>
+        </p:pic>
+        <p:sp>
+          <p:nvSpPr>
+            <p:cNvPr id="15" name="TextBox 14"/>
+            <p:cNvSpPr txBox="1"/>
+            <p:nvPr/>
+          </p:nvSpPr>
+          <p:spPr>
+            <a:xfrm>
+              <a:off x="4788024" y="6403590"/>
+              <a:ext cx="780983" cy="369332"/>
+            </a:xfrm>
+            <a:prstGeom prst="rect">
+              <a:avLst/>
+            </a:prstGeom>
+            <a:solidFill>
+              <a:schemeClr val="bg1"/>
+            </a:solidFill>
+          </p:spPr>
+          <p:txBody>
+            <a:bodyPr wrap="none" rtlCol="0">
+              <a:spAutoFit/>
+            </a:bodyPr>
+            <a:lstStyle/>
+            <a:p>
+              <a:r>
+                <a:rPr lang="hr-HR" dirty="0" smtClean="0">
+                  <a:latin typeface="Calibri" panose="020F0502020204030204" pitchFamily="34" charset="0"/>
+                  <a:cs typeface="Calibri" panose="020F0502020204030204" pitchFamily="34" charset="0"/>
+                </a:rPr>
+                <a:t>glazba</a:t>
+              </a:r>
+              <a:endParaRPr lang="hr-HR" dirty="0">
+                <a:latin typeface="Calibri" panose="020F0502020204030204" pitchFamily="34" charset="0"/>
+                <a:cs typeface="Calibri" panose="020F0502020204030204" pitchFamily="34" charset="0"/>
+              </a:endParaRPr>
+            </a:p>
+          </p:txBody>
+        </p:sp>
+      </p:grpSp>
     </p:spTree>
     <p:extLst>
       <p:ext uri="{BB962C8B-B14F-4D97-AF65-F5344CB8AC3E}">
-        <p14:creationId xmlns:p14="http://schemas.microsoft.com/office/powerpoint/2010/main" val="2040286683"/>
+        <p14:creationId xmlns:p14="http://schemas.microsoft.com/office/powerpoint/2010/main" val="1123293227"/>
       </p:ext>
     </p:extLst>
   </p:cSld>
   <p:clrMapOvr>
     <a:masterClrMapping/>
   </p:clrMapOvr>
-  <mc:AlternateContent xmlns:mc="http://schemas.openxmlformats.org/markup-compatibility/2006">
-    <mc:Choice xmlns:p14="http://schemas.microsoft.com/office/powerpoint/2010/main" Requires="p14">
+  <mc:AlternateContent xmlns:mc="http://schemas.openxmlformats.org/markup-compatibility/2006" xmlns:p14="http://schemas.microsoft.com/office/powerpoint/2010/main">
+    <mc:Choice Requires="p14">
       <p:transition>
         <p14:reveal/>
       </p:transition>
     </mc:Choice>
-    <mc:Fallback>
+    <mc:Fallback xmlns="">
       <p:transition>
         <p:fade/>
       </p:transition>
@@ -15586,351 +15903,7 @@
   <p:timing>
     <p:tnLst>
       <p:par>
-        <p:cTn id="1" dur="indefinite" restart="never" nodeType="tmRoot">
-          <p:childTnLst>
-            <p:seq concurrent="1" nextAc="seek">
-              <p:cTn id="2" dur="indefinite" nodeType="mainSeq">
-                <p:childTnLst>
-                  <p:par>
-                    <p:cTn id="3" fill="hold">
-                      <p:stCondLst>
-                        <p:cond delay="indefinite"/>
-                        <p:cond evt="onBegin" delay="0">
-                          <p:tn val="2"/>
-                        </p:cond>
-                      </p:stCondLst>
-                      <p:childTnLst>
-                        <p:par>
-                          <p:cTn id="4" fill="hold">
-                            <p:stCondLst>
-                              <p:cond delay="0"/>
-                            </p:stCondLst>
-                            <p:childTnLst>
-                              <p:par>
-                                <p:cTn id="5" presetID="10" presetClass="entr" presetSubtype="0" fill="hold" nodeType="withEffect">
-                                  <p:stCondLst>
-                                    <p:cond delay="0"/>
-                                  </p:stCondLst>
-                                  <p:childTnLst>
-                                    <p:set>
-                                      <p:cBhvr>
-                                        <p:cTn id="6" dur="1" fill="hold">
-                                          <p:stCondLst>
-                                            <p:cond delay="0"/>
-                                          </p:stCondLst>
-                                        </p:cTn>
-                                        <p:tgtEl>
-                                          <p:spTgt spid="4"/>
-                                        </p:tgtEl>
-                                        <p:attrNameLst>
-                                          <p:attrName>style.visibility</p:attrName>
-                                        </p:attrNameLst>
-                                      </p:cBhvr>
-                                      <p:to>
-                                        <p:strVal val="visible"/>
-                                      </p:to>
-                                    </p:set>
-                                    <p:animEffect transition="in" filter="fade">
-                                      <p:cBhvr>
-                                        <p:cTn id="7" dur="250"/>
-                                        <p:tgtEl>
-                                          <p:spTgt spid="4"/>
-                                        </p:tgtEl>
-                                      </p:cBhvr>
-                                    </p:animEffect>
-                                  </p:childTnLst>
-                                </p:cTn>
-                              </p:par>
-                            </p:childTnLst>
-                          </p:cTn>
-                        </p:par>
-                      </p:childTnLst>
-                    </p:cTn>
-                  </p:par>
-                  <p:par>
-                    <p:cTn id="8" fill="hold">
-                      <p:stCondLst>
-                        <p:cond delay="indefinite"/>
-                      </p:stCondLst>
-                      <p:childTnLst>
-                        <p:par>
-                          <p:cTn id="9" fill="hold">
-                            <p:stCondLst>
-                              <p:cond delay="0"/>
-                            </p:stCondLst>
-                            <p:childTnLst>
-                              <p:par>
-                                <p:cTn id="10" presetID="10" presetClass="entr" presetSubtype="0" fill="hold" nodeType="clickEffect">
-                                  <p:stCondLst>
-                                    <p:cond delay="0"/>
-                                  </p:stCondLst>
-                                  <p:childTnLst>
-                                    <p:set>
-                                      <p:cBhvr>
-                                        <p:cTn id="11" dur="1" fill="hold">
-                                          <p:stCondLst>
-                                            <p:cond delay="0"/>
-                                          </p:stCondLst>
-                                        </p:cTn>
-                                        <p:tgtEl>
-                                          <p:spTgt spid="10"/>
-                                        </p:tgtEl>
-                                        <p:attrNameLst>
-                                          <p:attrName>style.visibility</p:attrName>
-                                        </p:attrNameLst>
-                                      </p:cBhvr>
-                                      <p:to>
-                                        <p:strVal val="visible"/>
-                                      </p:to>
-                                    </p:set>
-                                    <p:animEffect transition="in" filter="fade">
-                                      <p:cBhvr>
-                                        <p:cTn id="12" dur="250"/>
-                                        <p:tgtEl>
-                                          <p:spTgt spid="10"/>
-                                        </p:tgtEl>
-                                      </p:cBhvr>
-                                    </p:animEffect>
-                                  </p:childTnLst>
-                                </p:cTn>
-                              </p:par>
-                            </p:childTnLst>
-                          </p:cTn>
-                        </p:par>
-                      </p:childTnLst>
-                    </p:cTn>
-                  </p:par>
-                  <p:par>
-                    <p:cTn id="13" fill="hold">
-                      <p:stCondLst>
-                        <p:cond delay="indefinite"/>
-                      </p:stCondLst>
-                      <p:childTnLst>
-                        <p:par>
-                          <p:cTn id="14" fill="hold">
-                            <p:stCondLst>
-                              <p:cond delay="0"/>
-                            </p:stCondLst>
-                            <p:childTnLst>
-                              <p:par>
-                                <p:cTn id="15" presetID="10" presetClass="entr" presetSubtype="0" fill="hold" nodeType="clickEffect">
-                                  <p:stCondLst>
-                                    <p:cond delay="0"/>
-                                  </p:stCondLst>
-                                  <p:childTnLst>
-                                    <p:set>
-                                      <p:cBhvr>
-                                        <p:cTn id="16" dur="1" fill="hold">
-                                          <p:stCondLst>
-                                            <p:cond delay="0"/>
-                                          </p:stCondLst>
-                                        </p:cTn>
-                                        <p:tgtEl>
-                                          <p:spTgt spid="6"/>
-                                        </p:tgtEl>
-                                        <p:attrNameLst>
-                                          <p:attrName>style.visibility</p:attrName>
-                                        </p:attrNameLst>
-                                      </p:cBhvr>
-                                      <p:to>
-                                        <p:strVal val="visible"/>
-                                      </p:to>
-                                    </p:set>
-                                    <p:animEffect transition="in" filter="fade">
-                                      <p:cBhvr>
-                                        <p:cTn id="17" dur="250"/>
-                                        <p:tgtEl>
-                                          <p:spTgt spid="6"/>
-                                        </p:tgtEl>
-                                      </p:cBhvr>
-                                    </p:animEffect>
-                                  </p:childTnLst>
-                                </p:cTn>
-                              </p:par>
-                            </p:childTnLst>
-                          </p:cTn>
-                        </p:par>
-                      </p:childTnLst>
-                    </p:cTn>
-                  </p:par>
-                  <p:par>
-                    <p:cTn id="18" fill="hold">
-                      <p:stCondLst>
-                        <p:cond delay="indefinite"/>
-                      </p:stCondLst>
-                      <p:childTnLst>
-                        <p:par>
-                          <p:cTn id="19" fill="hold">
-                            <p:stCondLst>
-                              <p:cond delay="0"/>
-                            </p:stCondLst>
-                            <p:childTnLst>
-                              <p:par>
-                                <p:cTn id="20" presetID="10" presetClass="entr" presetSubtype="0" fill="hold" nodeType="clickEffect">
-                                  <p:stCondLst>
-                                    <p:cond delay="0"/>
-                                  </p:stCondLst>
-                                  <p:childTnLst>
-                                    <p:set>
-                                      <p:cBhvr>
-                                        <p:cTn id="21" dur="1" fill="hold">
-                                          <p:stCondLst>
-                                            <p:cond delay="0"/>
-                                          </p:stCondLst>
-                                        </p:cTn>
-                                        <p:tgtEl>
-                                          <p:spTgt spid="7"/>
-                                        </p:tgtEl>
-                                        <p:attrNameLst>
-                                          <p:attrName>style.visibility</p:attrName>
-                                        </p:attrNameLst>
-                                      </p:cBhvr>
-                                      <p:to>
-                                        <p:strVal val="visible"/>
-                                      </p:to>
-                                    </p:set>
-                                    <p:animEffect transition="in" filter="fade">
-                                      <p:cBhvr>
-                                        <p:cTn id="22" dur="250"/>
-                                        <p:tgtEl>
-                                          <p:spTgt spid="7"/>
-                                        </p:tgtEl>
-                                      </p:cBhvr>
-                                    </p:animEffect>
-                                  </p:childTnLst>
-                                </p:cTn>
-                              </p:par>
-                            </p:childTnLst>
-                          </p:cTn>
-                        </p:par>
-                      </p:childTnLst>
-                    </p:cTn>
-                  </p:par>
-                  <p:par>
-                    <p:cTn id="23" fill="hold">
-                      <p:stCondLst>
-                        <p:cond delay="indefinite"/>
-                      </p:stCondLst>
-                      <p:childTnLst>
-                        <p:par>
-                          <p:cTn id="24" fill="hold">
-                            <p:stCondLst>
-                              <p:cond delay="0"/>
-                            </p:stCondLst>
-                            <p:childTnLst>
-                              <p:par>
-                                <p:cTn id="25" presetID="10" presetClass="entr" presetSubtype="0" fill="hold" nodeType="clickEffect">
-                                  <p:stCondLst>
-                                    <p:cond delay="0"/>
-                                  </p:stCondLst>
-                                  <p:childTnLst>
-                                    <p:set>
-                                      <p:cBhvr>
-                                        <p:cTn id="26" dur="1" fill="hold">
-                                          <p:stCondLst>
-                                            <p:cond delay="0"/>
-                                          </p:stCondLst>
-                                        </p:cTn>
-                                        <p:tgtEl>
-                                          <p:spTgt spid="8"/>
-                                        </p:tgtEl>
-                                        <p:attrNameLst>
-                                          <p:attrName>style.visibility</p:attrName>
-                                        </p:attrNameLst>
-                                      </p:cBhvr>
-                                      <p:to>
-                                        <p:strVal val="visible"/>
-                                      </p:to>
-                                    </p:set>
-                                    <p:animEffect transition="in" filter="fade">
-                                      <p:cBhvr>
-                                        <p:cTn id="27" dur="250"/>
-                                        <p:tgtEl>
-                                          <p:spTgt spid="8"/>
-                                        </p:tgtEl>
-                                      </p:cBhvr>
-                                    </p:animEffect>
-                                  </p:childTnLst>
-                                </p:cTn>
-                              </p:par>
-                            </p:childTnLst>
-                          </p:cTn>
-                        </p:par>
-                      </p:childTnLst>
-                    </p:cTn>
-                  </p:par>
-                  <p:par>
-                    <p:cTn id="28" fill="hold">
-                      <p:stCondLst>
-                        <p:cond delay="indefinite"/>
-                      </p:stCondLst>
-                      <p:childTnLst>
-                        <p:par>
-                          <p:cTn id="29" fill="hold">
-                            <p:stCondLst>
-                              <p:cond delay="0"/>
-                            </p:stCondLst>
-                            <p:childTnLst>
-                              <p:par>
-                                <p:cTn id="30" presetID="10" presetClass="entr" presetSubtype="0" fill="hold" nodeType="clickEffect">
-                                  <p:stCondLst>
-                                    <p:cond delay="0"/>
-                                  </p:stCondLst>
-                                  <p:childTnLst>
-                                    <p:set>
-                                      <p:cBhvr>
-                                        <p:cTn id="31" dur="1" fill="hold">
-                                          <p:stCondLst>
-                                            <p:cond delay="0"/>
-                                          </p:stCondLst>
-                                        </p:cTn>
-                                        <p:tgtEl>
-                                          <p:spTgt spid="9"/>
-                                        </p:tgtEl>
-                                        <p:attrNameLst>
-                                          <p:attrName>style.visibility</p:attrName>
-                                        </p:attrNameLst>
-                                      </p:cBhvr>
-                                      <p:to>
-                                        <p:strVal val="visible"/>
-                                      </p:to>
-                                    </p:set>
-                                    <p:animEffect transition="in" filter="fade">
-                                      <p:cBhvr>
-                                        <p:cTn id="32" dur="250"/>
-                                        <p:tgtEl>
-                                          <p:spTgt spid="9"/>
-                                        </p:tgtEl>
-                                      </p:cBhvr>
-                                    </p:animEffect>
-                                  </p:childTnLst>
-                                </p:cTn>
-                              </p:par>
-                            </p:childTnLst>
-                          </p:cTn>
-                        </p:par>
-                      </p:childTnLst>
-                    </p:cTn>
-                  </p:par>
-                </p:childTnLst>
-              </p:cTn>
-              <p:prevCondLst>
-                <p:cond evt="onPrev" delay="0">
-                  <p:tgtEl>
-                    <p:sldTgt/>
-                  </p:tgtEl>
-                </p:cond>
-              </p:prevCondLst>
-              <p:nextCondLst>
-                <p:cond evt="onNext" delay="0">
-                  <p:tgtEl>
-                    <p:sldTgt/>
-                  </p:tgtEl>
-                </p:cond>
-              </p:nextCondLst>
-            </p:seq>
-          </p:childTnLst>
-        </p:cTn>
+        <p:cTn id="1" dur="indefinite" restart="never" nodeType="tmRoot"/>
       </p:par>
     </p:tnLst>
   </p:timing>
